--- a/AICTE PPT Template.pptx
+++ b/AICTE PPT Template.pptx
@@ -5,7 +5,7 @@
     <p:sldMasterId id="2147483712" r:id="rId4"/>
   </p:sldMasterIdLst>
   <p:notesMasterIdLst>
-    <p:notesMasterId r:id="rId16"/>
+    <p:notesMasterId r:id="rId19"/>
   </p:notesMasterIdLst>
   <p:sldIdLst>
     <p:sldId id="256" r:id="rId5"/>
@@ -15,10 +15,13 @@
     <p:sldId id="265" r:id="rId9"/>
     <p:sldId id="2146847057" r:id="rId10"/>
     <p:sldId id="2146847060" r:id="rId11"/>
-    <p:sldId id="2146847062" r:id="rId12"/>
-    <p:sldId id="2146847061" r:id="rId13"/>
-    <p:sldId id="2146847055" r:id="rId14"/>
-    <p:sldId id="259" r:id="rId15"/>
+    <p:sldId id="2146847063" r:id="rId12"/>
+    <p:sldId id="2146847064" r:id="rId13"/>
+    <p:sldId id="2146847065" r:id="rId14"/>
+    <p:sldId id="2146847062" r:id="rId15"/>
+    <p:sldId id="2146847061" r:id="rId16"/>
+    <p:sldId id="2146847055" r:id="rId17"/>
+    <p:sldId id="259" r:id="rId18"/>
   </p:sldIdLst>
   <p:sldSz cx="12192000" cy="6858000"/>
   <p:notesSz cx="6858000" cy="9144000"/>
@@ -218,7 +221,7 @@
           <a:p>
             <a:fld id="{46256A78-79A6-408F-8148-4F87BB81602D}" type="datetimeFigureOut">
               <a:rPr lang="en-IN" smtClean="0"/>
-              <a:t>15-02-2025</a:t>
+              <a:t>16-02-2025</a:t>
             </a:fld>
             <a:endParaRPr lang="en-IN"/>
           </a:p>
@@ -722,7 +725,7 @@
           <a:p>
             <a:fld id="{ED291B17-9318-49DB-B28B-6E5994AE9581}" type="datetime1">
               <a:rPr lang="en-US" smtClean="0"/>
-              <a:t>15-Feb-25</a:t>
+              <a:t>16-Feb-25</a:t>
             </a:fld>
             <a:endParaRPr lang="en-US"/>
           </a:p>
@@ -931,7 +934,7 @@
           <a:p>
             <a:fld id="{2CED4963-E985-44C4-B8C4-FDD613B7C2F8}" type="datetime1">
               <a:rPr lang="en-US" smtClean="0"/>
-              <a:t>15-Feb-25</a:t>
+              <a:t>16-Feb-25</a:t>
             </a:fld>
             <a:endParaRPr lang="en-US"/>
           </a:p>
@@ -1299,7 +1302,7 @@
           <a:p>
             <a:fld id="{ED291B17-9318-49DB-B28B-6E5994AE9581}" type="datetime1">
               <a:rPr lang="en-US" smtClean="0"/>
-              <a:t>15-Feb-25</a:t>
+              <a:t>16-Feb-25</a:t>
             </a:fld>
             <a:endParaRPr lang="en-US"/>
           </a:p>
@@ -1503,7 +1506,7 @@
           <a:p>
             <a:fld id="{78DD82B9-B8EE-4375-B6FF-88FA6ABB15D9}" type="datetime1">
               <a:rPr lang="en-US" smtClean="0"/>
-              <a:t>15-Feb-25</a:t>
+              <a:t>16-Feb-25</a:t>
             </a:fld>
             <a:endParaRPr lang="en-US"/>
           </a:p>
@@ -1760,7 +1763,7 @@
           <a:p>
             <a:fld id="{B2497495-0637-405E-AE64-5CC7506D51F5}" type="datetime1">
               <a:rPr lang="en-US" smtClean="0"/>
-              <a:t>15-Feb-25</a:t>
+              <a:t>16-Feb-25</a:t>
             </a:fld>
             <a:endParaRPr lang="en-US"/>
           </a:p>
@@ -2018,7 +2021,7 @@
           <a:p>
             <a:fld id="{7BFFD690-9426-415D-8B65-26881E07B2D4}" type="datetime1">
               <a:rPr lang="en-US" smtClean="0"/>
-              <a:t>15-Feb-25</a:t>
+              <a:t>16-Feb-25</a:t>
             </a:fld>
             <a:endParaRPr lang="en-US"/>
           </a:p>
@@ -2445,7 +2448,7 @@
           <a:p>
             <a:fld id="{04C4989A-474C-40DE-95B9-011C28B71673}" type="datetime1">
               <a:rPr lang="en-US" smtClean="0"/>
-              <a:t>15-Feb-25</a:t>
+              <a:t>16-Feb-25</a:t>
             </a:fld>
             <a:endParaRPr lang="en-US"/>
           </a:p>
@@ -2575,7 +2578,7 @@
           <a:p>
             <a:fld id="{5DB4ED54-5B5E-4A04-93D3-5772E3CE3818}" type="datetime1">
               <a:rPr lang="en-US" smtClean="0"/>
-              <a:t>15-Feb-25</a:t>
+              <a:t>16-Feb-25</a:t>
             </a:fld>
             <a:endParaRPr lang="en-US"/>
           </a:p>
@@ -2678,7 +2681,7 @@
           <a:p>
             <a:fld id="{4EDE50D6-574B-40AF-946F-D52A04ADE379}" type="datetime1">
               <a:rPr lang="en-US" smtClean="0"/>
-              <a:t>15-Feb-25</a:t>
+              <a:t>16-Feb-25</a:t>
             </a:fld>
             <a:endParaRPr lang="en-US"/>
           </a:p>
@@ -3061,7 +3064,7 @@
           <a:p>
             <a:fld id="{D82884F1-FFEA-405F-9602-3DCA865EDA4E}" type="datetime1">
               <a:rPr lang="en-US" smtClean="0"/>
-              <a:t>15-Feb-25</a:t>
+              <a:t>16-Feb-25</a:t>
             </a:fld>
             <a:endParaRPr lang="en-US"/>
           </a:p>
@@ -3355,7 +3358,7 @@
           <a:p>
             <a:fld id="{7E18DB4A-8810-4A10-AD5C-D5E2C667F5B3}" type="datetime1">
               <a:rPr lang="en-US" smtClean="0"/>
-              <a:t>15-Feb-25</a:t>
+              <a:t>16-Feb-25</a:t>
             </a:fld>
             <a:endParaRPr lang="en-US"/>
           </a:p>
@@ -3576,7 +3579,7 @@
           <a:p>
             <a:fld id="{ED291B17-9318-49DB-B28B-6E5994AE9581}" type="datetime1">
               <a:rPr lang="en-US" smtClean="0"/>
-              <a:t>15-Feb-25</a:t>
+              <a:t>16-Feb-25</a:t>
             </a:fld>
             <a:endParaRPr lang="en-US"/>
           </a:p>
@@ -4388,6 +4391,145 @@
   <p:cSld>
     <p:spTree>
       <p:nvGrpSpPr>
+        <p:cNvPr id="1" name="">
+          <a:extLst>
+            <a:ext uri="{FF2B5EF4-FFF2-40B4-BE49-F238E27FC236}">
+              <a16:creationId xmlns:a16="http://schemas.microsoft.com/office/drawing/2014/main" id="{E0286A3C-88DF-9969-DD5E-F369ED818B35}"/>
+            </a:ext>
+          </a:extLst>
+        </p:cNvPr>
+        <p:cNvGrpSpPr/>
+        <p:nvPr/>
+      </p:nvGrpSpPr>
+      <p:grpSpPr>
+        <a:xfrm>
+          <a:off x="0" y="0"/>
+          <a:ext cx="0" cy="0"/>
+          <a:chOff x="0" y="0"/>
+          <a:chExt cx="0" cy="0"/>
+        </a:xfrm>
+      </p:grpSpPr>
+      <p:sp>
+        <p:nvSpPr>
+          <p:cNvPr id="2" name="Title 1">
+            <a:extLst>
+              <a:ext uri="{FF2B5EF4-FFF2-40B4-BE49-F238E27FC236}">
+                <a16:creationId xmlns:a16="http://schemas.microsoft.com/office/drawing/2014/main" id="{6E1E7241-79CF-E134-16CD-9B4787C342B1}"/>
+              </a:ext>
+            </a:extLst>
+          </p:cNvPr>
+          <p:cNvSpPr>
+            <a:spLocks noGrp="1"/>
+          </p:cNvSpPr>
+          <p:nvPr>
+            <p:ph type="title"/>
+          </p:nvPr>
+        </p:nvSpPr>
+        <p:spPr/>
+        <p:txBody>
+          <a:bodyPr anchor="ctr">
+            <a:noAutofit/>
+          </a:bodyPr>
+          <a:lstStyle/>
+          <a:p>
+            <a:r>
+              <a:rPr lang="en-IN" sz="4000" dirty="0">
+                <a:solidFill>
+                  <a:schemeClr val="accent1"/>
+                </a:solidFill>
+              </a:rPr>
+              <a:t>Results</a:t>
+            </a:r>
+          </a:p>
+        </p:txBody>
+      </p:sp>
+      <p:pic>
+        <p:nvPicPr>
+          <p:cNvPr id="4" name="Picture 3">
+            <a:extLst>
+              <a:ext uri="{FF2B5EF4-FFF2-40B4-BE49-F238E27FC236}">
+                <a16:creationId xmlns:a16="http://schemas.microsoft.com/office/drawing/2014/main" id="{5EA1BA4A-F662-353C-49CA-0E7356048743}"/>
+              </a:ext>
+            </a:extLst>
+          </p:cNvPr>
+          <p:cNvPicPr>
+            <a:picLocks noChangeAspect="1"/>
+          </p:cNvPicPr>
+          <p:nvPr/>
+        </p:nvPicPr>
+        <p:blipFill>
+          <a:blip r:embed="rId2"/>
+          <a:stretch>
+            <a:fillRect/>
+          </a:stretch>
+        </p:blipFill>
+        <p:spPr>
+          <a:xfrm>
+            <a:off x="1277077" y="1524742"/>
+            <a:ext cx="6386645" cy="4791456"/>
+          </a:xfrm>
+          <a:prstGeom prst="rect">
+            <a:avLst/>
+          </a:prstGeom>
+          <a:ln w="12700">
+            <a:solidFill>
+              <a:schemeClr val="tx1"/>
+            </a:solidFill>
+          </a:ln>
+        </p:spPr>
+      </p:pic>
+      <p:pic>
+        <p:nvPicPr>
+          <p:cNvPr id="6" name="Picture 5">
+            <a:extLst>
+              <a:ext uri="{FF2B5EF4-FFF2-40B4-BE49-F238E27FC236}">
+                <a16:creationId xmlns:a16="http://schemas.microsoft.com/office/drawing/2014/main" id="{F577DD57-57D7-A4BA-4DE8-C578960F665B}"/>
+              </a:ext>
+            </a:extLst>
+          </p:cNvPr>
+          <p:cNvPicPr>
+            <a:picLocks noChangeAspect="1"/>
+          </p:cNvPicPr>
+          <p:nvPr/>
+        </p:nvPicPr>
+        <p:blipFill>
+          <a:blip r:embed="rId3"/>
+          <a:srcRect t="3235"/>
+          <a:stretch/>
+        </p:blipFill>
+        <p:spPr>
+          <a:xfrm>
+            <a:off x="8195547" y="2743200"/>
+            <a:ext cx="2848373" cy="1742228"/>
+          </a:xfrm>
+          <a:prstGeom prst="rect">
+            <a:avLst/>
+          </a:prstGeom>
+          <a:ln w="12700">
+            <a:solidFill>
+              <a:schemeClr val="tx1"/>
+            </a:solidFill>
+          </a:ln>
+        </p:spPr>
+      </p:pic>
+    </p:spTree>
+    <p:extLst>
+      <p:ext uri="{BB962C8B-B14F-4D97-AF65-F5344CB8AC3E}">
+        <p14:creationId xmlns:p14="http://schemas.microsoft.com/office/powerpoint/2010/main" val="4209857833"/>
+      </p:ext>
+    </p:extLst>
+  </p:cSld>
+  <p:clrMapOvr>
+    <a:masterClrMapping/>
+  </p:clrMapOvr>
+</p:sld>
+</file>
+
+<file path=ppt/slides/slide11.xml><?xml version="1.0" encoding="utf-8"?>
+<p:sld xmlns:a="http://schemas.openxmlformats.org/drawingml/2006/main" xmlns:r="http://schemas.openxmlformats.org/officeDocument/2006/relationships" xmlns:p="http://schemas.openxmlformats.org/presentationml/2006/main">
+  <p:cSld>
+    <p:spTree>
+      <p:nvGrpSpPr>
         <p:cNvPr id="1" name=""/>
         <p:cNvGrpSpPr/>
         <p:nvPr/>
@@ -4402,10 +4544,10 @@
       </p:grpSpPr>
       <p:sp>
         <p:nvSpPr>
-          <p:cNvPr id="3" name="Content Placeholder 2">
+          <p:cNvPr id="6" name="Content Placeholder 1">
             <a:extLst>
               <a:ext uri="{FF2B5EF4-FFF2-40B4-BE49-F238E27FC236}">
-                <a16:creationId xmlns:a16="http://schemas.microsoft.com/office/drawing/2014/main" id="{A6638FD1-D00E-E75B-705C-564F06D93D7B}"/>
+                <a16:creationId xmlns:a16="http://schemas.microsoft.com/office/drawing/2014/main" id="{A46BFAF6-6BBF-089F-C598-CC5AACAB8E6E}"/>
               </a:ext>
             </a:extLst>
           </p:cNvPr>
@@ -4416,22 +4558,67 @@
             <p:ph idx="1"/>
           </p:nvPr>
         </p:nvSpPr>
-        <p:spPr/>
-        <p:txBody>
-          <a:bodyPr/>
+        <p:spPr>
+          <a:xfrm>
+            <a:off x="441671" y="1517715"/>
+            <a:ext cx="11613485" cy="4845378"/>
+          </a:xfrm>
+        </p:spPr>
+        <p:txBody>
+          <a:bodyPr vert="horz" lIns="91440" tIns="45720" rIns="91440" bIns="45720" rtlCol="0" anchor="t">
+            <a:noAutofit/>
+          </a:bodyPr>
           <a:lstStyle/>
           <a:p>
-            <a:pPr marL="305435" indent="-305435"/>
-            <a:endParaRPr lang="en-US" dirty="0"/>
-          </a:p>
-        </p:txBody>
-      </p:sp>
-      <p:sp>
-        <p:nvSpPr>
-          <p:cNvPr id="5" name="Title 4">
+            <a:pPr>
+              <a:buFont typeface="Wingdings" panose="05000000000000000000" pitchFamily="2" charset="2"/>
+              <a:buChar char="v"/>
+            </a:pPr>
+            <a:r>
+              <a:rPr lang="en-US" sz="2000" dirty="0">
+                <a:solidFill>
+                  <a:schemeClr val="tx1"/>
+                </a:solidFill>
+              </a:rPr>
+              <a:t>Steganography offers a powerful solution for secure data hiding, ensuring privacy without raising suspicion. </a:t>
+            </a:r>
+          </a:p>
+          <a:p>
+            <a:pPr>
+              <a:buFont typeface="Wingdings" panose="05000000000000000000" pitchFamily="2" charset="2"/>
+              <a:buChar char="v"/>
+            </a:pPr>
+            <a:r>
+              <a:rPr lang="en-US" sz="2000" dirty="0">
+                <a:solidFill>
+                  <a:schemeClr val="tx1"/>
+                </a:solidFill>
+              </a:rPr>
+              <a:t>By embedding sensitive messages within digital images, this tool provides a covert and effective means of communication. </a:t>
+            </a:r>
+          </a:p>
+          <a:p>
+            <a:pPr>
+              <a:buFont typeface="Wingdings" panose="05000000000000000000" pitchFamily="2" charset="2"/>
+              <a:buChar char="v"/>
+            </a:pPr>
+            <a:r>
+              <a:rPr lang="en-US" sz="2000" dirty="0">
+                <a:solidFill>
+                  <a:schemeClr val="tx1"/>
+                </a:solidFill>
+              </a:rPr>
+              <a:t>The combination of a user-friendly interface and robust encryption ensures that the data remains safe and accessible only to intended recipients.</a:t>
+            </a:r>
+          </a:p>
+        </p:txBody>
+      </p:sp>
+      <p:sp>
+        <p:nvSpPr>
+          <p:cNvPr id="9" name="Title 4">
             <a:extLst>
               <a:ext uri="{FF2B5EF4-FFF2-40B4-BE49-F238E27FC236}">
-                <a16:creationId xmlns:a16="http://schemas.microsoft.com/office/drawing/2014/main" id="{3F968F13-9AC4-7120-7ACD-9F752C767D5D}"/>
+                <a16:creationId xmlns:a16="http://schemas.microsoft.com/office/drawing/2014/main" id="{BF6CBC64-6151-B08F-C411-BC3572DB03AF}"/>
               </a:ext>
             </a:extLst>
           </p:cNvPr>
@@ -4450,8 +4637,8 @@
           </a:prstGeom>
         </p:spPr>
         <p:txBody>
-          <a:bodyPr vert="horz" lIns="91440" tIns="45720" rIns="91440" bIns="45720" rtlCol="0" anchor="b">
-            <a:normAutofit fontScale="75000" lnSpcReduction="20000"/>
+          <a:bodyPr vert="horz" lIns="91440" tIns="45720" rIns="91440" bIns="45720" rtlCol="0" anchor="ctr">
+            <a:noAutofit/>
           </a:bodyPr>
           <a:lstStyle>
             <a:lvl1pPr algn="l" defTabSz="457200" rtl="0" eaLnBrk="1" latinLnBrk="0" hangingPunct="1">
@@ -4533,14 +4720,427 @@
           </a:lstStyle>
           <a:p>
             <a:r>
-              <a:rPr lang="en-US" sz="4400" b="1" dirty="0">
+              <a:rPr lang="en-US" sz="4000" b="1" dirty="0">
                 <a:solidFill>
                   <a:schemeClr val="accent1"/>
                 </a:solidFill>
                 <a:latin typeface="Arial"/>
                 <a:cs typeface="Arial"/>
               </a:rPr>
-              <a:t>Future scope(optional)</a:t>
+              <a:t>conclusion</a:t>
+            </a:r>
+          </a:p>
+        </p:txBody>
+      </p:sp>
+    </p:spTree>
+    <p:extLst>
+      <p:ext uri="{BB962C8B-B14F-4D97-AF65-F5344CB8AC3E}">
+        <p14:creationId xmlns:p14="http://schemas.microsoft.com/office/powerpoint/2010/main" val="4233882376"/>
+      </p:ext>
+    </p:extLst>
+  </p:cSld>
+  <p:clrMapOvr>
+    <a:masterClrMapping/>
+  </p:clrMapOvr>
+</p:sld>
+</file>
+
+<file path=ppt/slides/slide12.xml><?xml version="1.0" encoding="utf-8"?>
+<p:sld xmlns:a="http://schemas.openxmlformats.org/drawingml/2006/main" xmlns:r="http://schemas.openxmlformats.org/officeDocument/2006/relationships" xmlns:p="http://schemas.openxmlformats.org/presentationml/2006/main">
+  <p:cSld>
+    <p:spTree>
+      <p:nvGrpSpPr>
+        <p:cNvPr id="1" name=""/>
+        <p:cNvGrpSpPr/>
+        <p:nvPr/>
+      </p:nvGrpSpPr>
+      <p:grpSpPr>
+        <a:xfrm>
+          <a:off x="0" y="0"/>
+          <a:ext cx="0" cy="0"/>
+          <a:chOff x="0" y="0"/>
+          <a:chExt cx="0" cy="0"/>
+        </a:xfrm>
+      </p:grpSpPr>
+      <p:sp>
+        <p:nvSpPr>
+          <p:cNvPr id="3" name="Content Placeholder 2">
+            <a:extLst>
+              <a:ext uri="{FF2B5EF4-FFF2-40B4-BE49-F238E27FC236}">
+                <a16:creationId xmlns:a16="http://schemas.microsoft.com/office/drawing/2014/main" id="{51A299DD-46FA-7866-41D8-C1BFCC2F69DD}"/>
+              </a:ext>
+            </a:extLst>
+          </p:cNvPr>
+          <p:cNvSpPr>
+            <a:spLocks noGrp="1"/>
+          </p:cNvSpPr>
+          <p:nvPr>
+            <p:ph idx="1"/>
+          </p:nvPr>
+        </p:nvSpPr>
+        <p:spPr/>
+        <p:txBody>
+          <a:bodyPr>
+            <a:normAutofit/>
+          </a:bodyPr>
+          <a:lstStyle/>
+          <a:p>
+            <a:r>
+              <a:rPr lang="en-IN" sz="2000" dirty="0"/>
+              <a:t>https://github.com/AniketDohale/Steganography.git</a:t>
+            </a:r>
+          </a:p>
+        </p:txBody>
+      </p:sp>
+      <p:sp>
+        <p:nvSpPr>
+          <p:cNvPr id="7" name="Title 4">
+            <a:extLst>
+              <a:ext uri="{FF2B5EF4-FFF2-40B4-BE49-F238E27FC236}">
+                <a16:creationId xmlns:a16="http://schemas.microsoft.com/office/drawing/2014/main" id="{F47BDA17-02DA-79C1-FF4F-90AC649B2850}"/>
+              </a:ext>
+            </a:extLst>
+          </p:cNvPr>
+          <p:cNvSpPr txBox="1">
+            <a:spLocks/>
+          </p:cNvSpPr>
+          <p:nvPr/>
+        </p:nvSpPr>
+        <p:spPr>
+          <a:xfrm>
+            <a:off x="535670" y="844659"/>
+            <a:ext cx="11029616" cy="530296"/>
+          </a:xfrm>
+          <a:prstGeom prst="rect">
+            <a:avLst/>
+          </a:prstGeom>
+        </p:spPr>
+        <p:txBody>
+          <a:bodyPr vert="horz" lIns="91440" tIns="45720" rIns="91440" bIns="45720" rtlCol="0" anchor="ctr">
+            <a:noAutofit/>
+          </a:bodyPr>
+          <a:lstStyle>
+            <a:lvl1pPr algn="l" defTabSz="457200" rtl="0" eaLnBrk="1" latinLnBrk="0" hangingPunct="1">
+              <a:lnSpc>
+                <a:spcPct val="100000"/>
+              </a:lnSpc>
+              <a:spcBef>
+                <a:spcPct val="0"/>
+              </a:spcBef>
+              <a:buNone/>
+              <a:defRPr sz="2800" b="0" kern="1200" cap="all">
+                <a:solidFill>
+                  <a:schemeClr val="tx1">
+                    <a:lumMod val="75000"/>
+                    <a:lumOff val="25000"/>
+                  </a:schemeClr>
+                </a:solidFill>
+                <a:latin typeface="+mj-lt"/>
+                <a:ea typeface="+mj-ea"/>
+                <a:cs typeface="+mj-cs"/>
+              </a:defRPr>
+            </a:lvl1pPr>
+            <a:lvl2pPr eaLnBrk="1" hangingPunct="1">
+              <a:defRPr>
+                <a:solidFill>
+                  <a:schemeClr val="tx2"/>
+                </a:solidFill>
+              </a:defRPr>
+            </a:lvl2pPr>
+            <a:lvl3pPr eaLnBrk="1" hangingPunct="1">
+              <a:defRPr>
+                <a:solidFill>
+                  <a:schemeClr val="tx2"/>
+                </a:solidFill>
+              </a:defRPr>
+            </a:lvl3pPr>
+            <a:lvl4pPr eaLnBrk="1" hangingPunct="1">
+              <a:defRPr>
+                <a:solidFill>
+                  <a:schemeClr val="tx2"/>
+                </a:solidFill>
+              </a:defRPr>
+            </a:lvl4pPr>
+            <a:lvl5pPr eaLnBrk="1" hangingPunct="1">
+              <a:defRPr>
+                <a:solidFill>
+                  <a:schemeClr val="tx2"/>
+                </a:solidFill>
+              </a:defRPr>
+            </a:lvl5pPr>
+            <a:lvl6pPr eaLnBrk="1" hangingPunct="1">
+              <a:defRPr>
+                <a:solidFill>
+                  <a:schemeClr val="tx2"/>
+                </a:solidFill>
+              </a:defRPr>
+            </a:lvl6pPr>
+            <a:lvl7pPr eaLnBrk="1" hangingPunct="1">
+              <a:defRPr>
+                <a:solidFill>
+                  <a:schemeClr val="tx2"/>
+                </a:solidFill>
+              </a:defRPr>
+            </a:lvl7pPr>
+            <a:lvl8pPr eaLnBrk="1" hangingPunct="1">
+              <a:defRPr>
+                <a:solidFill>
+                  <a:schemeClr val="tx2"/>
+                </a:solidFill>
+              </a:defRPr>
+            </a:lvl8pPr>
+            <a:lvl9pPr eaLnBrk="1" hangingPunct="1">
+              <a:defRPr>
+                <a:solidFill>
+                  <a:schemeClr val="tx2"/>
+                </a:solidFill>
+              </a:defRPr>
+            </a:lvl9pPr>
+          </a:lstStyle>
+          <a:p>
+            <a:r>
+              <a:rPr lang="en-US" sz="4000" b="1" dirty="0">
+                <a:solidFill>
+                  <a:schemeClr val="accent1"/>
+                </a:solidFill>
+                <a:latin typeface="Arial"/>
+                <a:cs typeface="Arial"/>
+              </a:rPr>
+              <a:t>GitHub link</a:t>
+            </a:r>
+          </a:p>
+        </p:txBody>
+      </p:sp>
+    </p:spTree>
+    <p:extLst>
+      <p:ext uri="{BB962C8B-B14F-4D97-AF65-F5344CB8AC3E}">
+        <p14:creationId xmlns:p14="http://schemas.microsoft.com/office/powerpoint/2010/main" val="2230664768"/>
+      </p:ext>
+    </p:extLst>
+  </p:cSld>
+  <p:clrMapOvr>
+    <a:masterClrMapping/>
+  </p:clrMapOvr>
+</p:sld>
+</file>
+
+<file path=ppt/slides/slide13.xml><?xml version="1.0" encoding="utf-8"?>
+<p:sld xmlns:a="http://schemas.openxmlformats.org/drawingml/2006/main" xmlns:r="http://schemas.openxmlformats.org/officeDocument/2006/relationships" xmlns:p="http://schemas.openxmlformats.org/presentationml/2006/main">
+  <p:cSld>
+    <p:spTree>
+      <p:nvGrpSpPr>
+        <p:cNvPr id="1" name=""/>
+        <p:cNvGrpSpPr/>
+        <p:nvPr/>
+      </p:nvGrpSpPr>
+      <p:grpSpPr>
+        <a:xfrm>
+          <a:off x="0" y="0"/>
+          <a:ext cx="0" cy="0"/>
+          <a:chOff x="0" y="0"/>
+          <a:chExt cx="0" cy="0"/>
+        </a:xfrm>
+      </p:grpSpPr>
+      <p:sp>
+        <p:nvSpPr>
+          <p:cNvPr id="5" name="Title 4">
+            <a:extLst>
+              <a:ext uri="{FF2B5EF4-FFF2-40B4-BE49-F238E27FC236}">
+                <a16:creationId xmlns:a16="http://schemas.microsoft.com/office/drawing/2014/main" id="{3F968F13-9AC4-7120-7ACD-9F752C767D5D}"/>
+              </a:ext>
+            </a:extLst>
+          </p:cNvPr>
+          <p:cNvSpPr txBox="1">
+            <a:spLocks/>
+          </p:cNvSpPr>
+          <p:nvPr/>
+        </p:nvSpPr>
+        <p:spPr>
+          <a:xfrm>
+            <a:off x="535670" y="844659"/>
+            <a:ext cx="11029616" cy="530296"/>
+          </a:xfrm>
+          <a:prstGeom prst="rect">
+            <a:avLst/>
+          </a:prstGeom>
+        </p:spPr>
+        <p:txBody>
+          <a:bodyPr vert="horz" lIns="91440" tIns="45720" rIns="91440" bIns="45720" rtlCol="0" anchor="ctr">
+            <a:noAutofit/>
+          </a:bodyPr>
+          <a:lstStyle>
+            <a:lvl1pPr algn="l" defTabSz="457200" rtl="0" eaLnBrk="1" latinLnBrk="0" hangingPunct="1">
+              <a:lnSpc>
+                <a:spcPct val="100000"/>
+              </a:lnSpc>
+              <a:spcBef>
+                <a:spcPct val="0"/>
+              </a:spcBef>
+              <a:buNone/>
+              <a:defRPr sz="2800" b="0" kern="1200" cap="all">
+                <a:solidFill>
+                  <a:schemeClr val="tx1">
+                    <a:lumMod val="75000"/>
+                    <a:lumOff val="25000"/>
+                  </a:schemeClr>
+                </a:solidFill>
+                <a:latin typeface="+mj-lt"/>
+                <a:ea typeface="+mj-ea"/>
+                <a:cs typeface="+mj-cs"/>
+              </a:defRPr>
+            </a:lvl1pPr>
+            <a:lvl2pPr eaLnBrk="1" hangingPunct="1">
+              <a:defRPr>
+                <a:solidFill>
+                  <a:schemeClr val="tx2"/>
+                </a:solidFill>
+              </a:defRPr>
+            </a:lvl2pPr>
+            <a:lvl3pPr eaLnBrk="1" hangingPunct="1">
+              <a:defRPr>
+                <a:solidFill>
+                  <a:schemeClr val="tx2"/>
+                </a:solidFill>
+              </a:defRPr>
+            </a:lvl3pPr>
+            <a:lvl4pPr eaLnBrk="1" hangingPunct="1">
+              <a:defRPr>
+                <a:solidFill>
+                  <a:schemeClr val="tx2"/>
+                </a:solidFill>
+              </a:defRPr>
+            </a:lvl4pPr>
+            <a:lvl5pPr eaLnBrk="1" hangingPunct="1">
+              <a:defRPr>
+                <a:solidFill>
+                  <a:schemeClr val="tx2"/>
+                </a:solidFill>
+              </a:defRPr>
+            </a:lvl5pPr>
+            <a:lvl6pPr eaLnBrk="1" hangingPunct="1">
+              <a:defRPr>
+                <a:solidFill>
+                  <a:schemeClr val="tx2"/>
+                </a:solidFill>
+              </a:defRPr>
+            </a:lvl6pPr>
+            <a:lvl7pPr eaLnBrk="1" hangingPunct="1">
+              <a:defRPr>
+                <a:solidFill>
+                  <a:schemeClr val="tx2"/>
+                </a:solidFill>
+              </a:defRPr>
+            </a:lvl7pPr>
+            <a:lvl8pPr eaLnBrk="1" hangingPunct="1">
+              <a:defRPr>
+                <a:solidFill>
+                  <a:schemeClr val="tx2"/>
+                </a:solidFill>
+              </a:defRPr>
+            </a:lvl8pPr>
+            <a:lvl9pPr eaLnBrk="1" hangingPunct="1">
+              <a:defRPr>
+                <a:solidFill>
+                  <a:schemeClr val="tx2"/>
+                </a:solidFill>
+              </a:defRPr>
+            </a:lvl9pPr>
+          </a:lstStyle>
+          <a:p>
+            <a:r>
+              <a:rPr lang="en-US" sz="4000" b="1" dirty="0">
+                <a:solidFill>
+                  <a:schemeClr val="accent1"/>
+                </a:solidFill>
+                <a:latin typeface="Arial"/>
+                <a:cs typeface="Arial"/>
+              </a:rPr>
+              <a:t>Future scope</a:t>
+            </a:r>
+          </a:p>
+        </p:txBody>
+      </p:sp>
+      <p:sp>
+        <p:nvSpPr>
+          <p:cNvPr id="2" name="Content Placeholder 1">
+            <a:extLst>
+              <a:ext uri="{FF2B5EF4-FFF2-40B4-BE49-F238E27FC236}">
+                <a16:creationId xmlns:a16="http://schemas.microsoft.com/office/drawing/2014/main" id="{7E65226D-FB4E-027B-DD77-13FFDF7BD0A5}"/>
+              </a:ext>
+            </a:extLst>
+          </p:cNvPr>
+          <p:cNvSpPr>
+            <a:spLocks noGrp="1"/>
+          </p:cNvSpPr>
+          <p:nvPr>
+            <p:ph idx="1"/>
+          </p:nvPr>
+        </p:nvSpPr>
+        <p:spPr>
+          <a:xfrm>
+            <a:off x="441671" y="1517715"/>
+            <a:ext cx="11613485" cy="4845378"/>
+          </a:xfrm>
+        </p:spPr>
+        <p:txBody>
+          <a:bodyPr vert="horz" lIns="91440" tIns="45720" rIns="91440" bIns="45720" rtlCol="0" anchor="t">
+            <a:noAutofit/>
+          </a:bodyPr>
+          <a:lstStyle/>
+          <a:p>
+            <a:pPr>
+              <a:buFont typeface="Wingdings" panose="05000000000000000000" pitchFamily="2" charset="2"/>
+              <a:buChar char="v"/>
+            </a:pPr>
+            <a:r>
+              <a:rPr lang="en-US" sz="2000" b="1" dirty="0"/>
+              <a:t>Advanced Encryption Methods: </a:t>
+            </a:r>
+            <a:r>
+              <a:rPr lang="en-US" sz="2000" dirty="0"/>
+              <a:t>Using stronger cryptographic techniques for improved security.</a:t>
+            </a:r>
+          </a:p>
+          <a:p>
+            <a:pPr>
+              <a:buFont typeface="Wingdings" panose="05000000000000000000" pitchFamily="2" charset="2"/>
+              <a:buChar char="v"/>
+            </a:pPr>
+            <a:r>
+              <a:rPr lang="en-US" sz="2000" b="1" dirty="0"/>
+              <a:t>Support for Various Media Formats: </a:t>
+            </a:r>
+            <a:r>
+              <a:rPr lang="en-US" sz="2000" dirty="0"/>
+              <a:t>Expanding to include audio and video steganography.</a:t>
+            </a:r>
+          </a:p>
+          <a:p>
+            <a:pPr>
+              <a:buFont typeface="Wingdings" panose="05000000000000000000" pitchFamily="2" charset="2"/>
+              <a:buChar char="v"/>
+            </a:pPr>
+            <a:r>
+              <a:rPr lang="en-US" sz="2000" b="1" dirty="0"/>
+              <a:t>Cloud Integration: </a:t>
+            </a:r>
+            <a:r>
+              <a:rPr lang="en-US" sz="2000" dirty="0"/>
+              <a:t>Enabling secure storage and access of encrypted images online.</a:t>
+            </a:r>
+          </a:p>
+          <a:p>
+            <a:pPr>
+              <a:buFont typeface="Wingdings" panose="05000000000000000000" pitchFamily="2" charset="2"/>
+              <a:buChar char="v"/>
+            </a:pPr>
+            <a:r>
+              <a:rPr lang="en-US" sz="2000" b="1" dirty="0"/>
+              <a:t>Real-Time Solutions: </a:t>
+            </a:r>
+            <a:r>
+              <a:rPr lang="en-US" sz="2000" dirty="0"/>
+              <a:t>Creating mobile apps for secure communication anytime, anywhere.</a:t>
             </a:r>
           </a:p>
         </p:txBody>
@@ -4558,7 +5158,7 @@
 </p:sld>
 </file>
 
-<file path=ppt/slides/slide11.xml><?xml version="1.0" encoding="utf-8"?>
+<file path=ppt/slides/slide14.xml><?xml version="1.0" encoding="utf-8"?>
 <p:sld xmlns:a="http://schemas.openxmlformats.org/drawingml/2006/main" xmlns:r="http://schemas.openxmlformats.org/officeDocument/2006/relationships" xmlns:p="http://schemas.openxmlformats.org/presentationml/2006/main">
   <p:cSld>
     <p:spTree>
@@ -4884,10 +5484,10 @@
       </p:grpSpPr>
       <p:sp>
         <p:nvSpPr>
-          <p:cNvPr id="5" name="Title 4">
+          <p:cNvPr id="6" name="Content Placeholder 1">
             <a:extLst>
               <a:ext uri="{FF2B5EF4-FFF2-40B4-BE49-F238E27FC236}">
-                <a16:creationId xmlns:a16="http://schemas.microsoft.com/office/drawing/2014/main" id="{8FBA75B4-2DD5-42EB-9397-F36BFB8BA723}"/>
+                <a16:creationId xmlns:a16="http://schemas.microsoft.com/office/drawing/2014/main" id="{05AC802D-E76C-37B7-2799-B82407652B6D}"/>
               </a:ext>
             </a:extLst>
           </p:cNvPr>
@@ -4895,70 +5495,180 @@
             <a:spLocks noGrp="1"/>
           </p:cNvSpPr>
           <p:nvPr>
-            <p:ph type="title"/>
-          </p:nvPr>
-        </p:nvSpPr>
-        <p:spPr/>
-        <p:txBody>
-          <a:bodyPr>
-            <a:normAutofit fontScale="90000"/>
+            <p:ph idx="1"/>
+          </p:nvPr>
+        </p:nvSpPr>
+        <p:spPr>
+          <a:xfrm>
+            <a:off x="441671" y="1517715"/>
+            <a:ext cx="11613485" cy="4845378"/>
+          </a:xfrm>
+        </p:spPr>
+        <p:txBody>
+          <a:bodyPr vert="horz" lIns="91440" tIns="45720" rIns="91440" bIns="45720" rtlCol="0" anchor="t">
+            <a:noAutofit/>
           </a:bodyPr>
           <a:lstStyle/>
           <a:p>
-            <a:r>
-              <a:rPr lang="en-US" sz="4400" b="1">
-                <a:solidFill>
-                  <a:schemeClr val="accent1"/>
-                </a:solidFill>
-                <a:latin typeface="Arial" panose="020B0604020202020204" pitchFamily="34" charset="0"/>
-                <a:cs typeface="Arial" panose="020B0604020202020204" pitchFamily="34" charset="0"/>
+            <a:pPr>
+              <a:buFont typeface="Wingdings" panose="05000000000000000000" pitchFamily="2" charset="2"/>
+              <a:buChar char="v"/>
+            </a:pPr>
+            <a:r>
+              <a:rPr lang="en-US" sz="2000" dirty="0">
+                <a:solidFill>
+                  <a:schemeClr val="tx1"/>
+                </a:solidFill>
               </a:rPr>
-              <a:t>Problem Statement</a:t>
-            </a:r>
-            <a:endParaRPr lang="en-US" sz="4400"/>
-          </a:p>
-        </p:txBody>
-      </p:sp>
-      <p:sp>
-        <p:nvSpPr>
-          <p:cNvPr id="2" name="Content Placeholder 1">
+              <a:t>In the modern age of the digital world, privacy and data protection are extremely important. </a:t>
+            </a:r>
+          </a:p>
+          <a:p>
+            <a:pPr>
+              <a:buFont typeface="Wingdings" panose="05000000000000000000" pitchFamily="2" charset="2"/>
+              <a:buChar char="v"/>
+            </a:pPr>
+            <a:r>
+              <a:rPr lang="en-US" sz="2000" dirty="0">
+                <a:solidFill>
+                  <a:schemeClr val="tx1"/>
+                </a:solidFill>
+              </a:rPr>
+              <a:t>Conventional encryption techniques tend to invite suspicion and unwanted attention, so the need arises to design subtle means of secure communication. </a:t>
+            </a:r>
+          </a:p>
+          <a:p>
+            <a:pPr>
+              <a:buFont typeface="Wingdings" panose="05000000000000000000" pitchFamily="2" charset="2"/>
+              <a:buChar char="v"/>
+            </a:pPr>
+            <a:r>
+              <a:rPr lang="en-US" sz="2000" dirty="0">
+                <a:solidFill>
+                  <a:schemeClr val="tx1"/>
+                </a:solidFill>
+              </a:rPr>
+              <a:t>The problem is to conceal confidential information within digital images in a way that is not perceivable to the human eye and ensures that the quality of the image and the encrypted data are maintained.</a:t>
+            </a:r>
+          </a:p>
+        </p:txBody>
+      </p:sp>
+      <p:sp>
+        <p:nvSpPr>
+          <p:cNvPr id="9" name="Title 4">
             <a:extLst>
               <a:ext uri="{FF2B5EF4-FFF2-40B4-BE49-F238E27FC236}">
-                <a16:creationId xmlns:a16="http://schemas.microsoft.com/office/drawing/2014/main" id="{8FEE4A9C-3F57-7DA7-91FD-715C3FB47F93}"/>
+                <a16:creationId xmlns:a16="http://schemas.microsoft.com/office/drawing/2014/main" id="{59770592-C800-F3AA-62BC-7C3ECB68874D}"/>
               </a:ext>
             </a:extLst>
           </p:cNvPr>
-          <p:cNvSpPr>
-            <a:spLocks noGrp="1"/>
-          </p:cNvSpPr>
-          <p:nvPr>
-            <p:ph idx="1"/>
-          </p:nvPr>
-        </p:nvSpPr>
-        <p:spPr>
-          <a:xfrm>
-            <a:off x="452403" y="1237632"/>
-            <a:ext cx="11029615" cy="4673324"/>
-          </a:xfrm>
-        </p:spPr>
-        <p:txBody>
-          <a:bodyPr/>
-          <a:lstStyle/>
-          <a:p>
-            <a:pPr marL="0" indent="0">
+          <p:cNvSpPr txBox="1">
+            <a:spLocks/>
+          </p:cNvSpPr>
+          <p:nvPr/>
+        </p:nvSpPr>
+        <p:spPr>
+          <a:xfrm>
+            <a:off x="535670" y="844659"/>
+            <a:ext cx="11029616" cy="530296"/>
+          </a:xfrm>
+          <a:prstGeom prst="rect">
+            <a:avLst/>
+          </a:prstGeom>
+        </p:spPr>
+        <p:txBody>
+          <a:bodyPr vert="horz" lIns="91440" tIns="45720" rIns="91440" bIns="45720" rtlCol="0" anchor="ctr">
+            <a:noAutofit/>
+          </a:bodyPr>
+          <a:lstStyle>
+            <a:lvl1pPr algn="l" defTabSz="457200" rtl="0" eaLnBrk="1" latinLnBrk="0" hangingPunct="1">
+              <a:lnSpc>
+                <a:spcPct val="100000"/>
+              </a:lnSpc>
+              <a:spcBef>
+                <a:spcPct val="0"/>
+              </a:spcBef>
               <a:buNone/>
-            </a:pPr>
-            <a:r>
-              <a:rPr lang="en-IN" sz="3200" dirty="0">
-                <a:solidFill>
-                  <a:srgbClr val="0F0F0F"/>
-                </a:solidFill>
-                <a:ea typeface="+mn-lt"/>
-                <a:cs typeface="+mn-lt"/>
+              <a:defRPr sz="2800" b="0" kern="1200" cap="all">
+                <a:solidFill>
+                  <a:schemeClr val="tx1">
+                    <a:lumMod val="75000"/>
+                    <a:lumOff val="25000"/>
+                  </a:schemeClr>
+                </a:solidFill>
+                <a:latin typeface="+mj-lt"/>
+                <a:ea typeface="+mj-ea"/>
+                <a:cs typeface="+mj-cs"/>
+              </a:defRPr>
+            </a:lvl1pPr>
+            <a:lvl2pPr eaLnBrk="1" hangingPunct="1">
+              <a:defRPr>
+                <a:solidFill>
+                  <a:schemeClr val="tx2"/>
+                </a:solidFill>
+              </a:defRPr>
+            </a:lvl2pPr>
+            <a:lvl3pPr eaLnBrk="1" hangingPunct="1">
+              <a:defRPr>
+                <a:solidFill>
+                  <a:schemeClr val="tx2"/>
+                </a:solidFill>
+              </a:defRPr>
+            </a:lvl3pPr>
+            <a:lvl4pPr eaLnBrk="1" hangingPunct="1">
+              <a:defRPr>
+                <a:solidFill>
+                  <a:schemeClr val="tx2"/>
+                </a:solidFill>
+              </a:defRPr>
+            </a:lvl4pPr>
+            <a:lvl5pPr eaLnBrk="1" hangingPunct="1">
+              <a:defRPr>
+                <a:solidFill>
+                  <a:schemeClr val="tx2"/>
+                </a:solidFill>
+              </a:defRPr>
+            </a:lvl5pPr>
+            <a:lvl6pPr eaLnBrk="1" hangingPunct="1">
+              <a:defRPr>
+                <a:solidFill>
+                  <a:schemeClr val="tx2"/>
+                </a:solidFill>
+              </a:defRPr>
+            </a:lvl6pPr>
+            <a:lvl7pPr eaLnBrk="1" hangingPunct="1">
+              <a:defRPr>
+                <a:solidFill>
+                  <a:schemeClr val="tx2"/>
+                </a:solidFill>
+              </a:defRPr>
+            </a:lvl7pPr>
+            <a:lvl8pPr eaLnBrk="1" hangingPunct="1">
+              <a:defRPr>
+                <a:solidFill>
+                  <a:schemeClr val="tx2"/>
+                </a:solidFill>
+              </a:defRPr>
+            </a:lvl8pPr>
+            <a:lvl9pPr eaLnBrk="1" hangingPunct="1">
+              <a:defRPr>
+                <a:solidFill>
+                  <a:schemeClr val="tx2"/>
+                </a:solidFill>
+              </a:defRPr>
+            </a:lvl9pPr>
+          </a:lstStyle>
+          <a:p>
+            <a:r>
+              <a:rPr lang="en-US" sz="4000" b="1" dirty="0">
+                <a:solidFill>
+                  <a:schemeClr val="accent1"/>
+                </a:solidFill>
+                <a:latin typeface="Arial"/>
+                <a:cs typeface="Arial"/>
               </a:rPr>
-              <a:t>In 4 to 5 lines( write in precise words)</a:t>
-            </a:r>
-            <a:endParaRPr lang="en-IN" dirty="0"/>
+              <a:t>Problem statement</a:t>
+            </a:r>
           </a:p>
         </p:txBody>
       </p:sp>
@@ -4994,43 +5704,6 @@
       </p:grpSpPr>
       <p:sp>
         <p:nvSpPr>
-          <p:cNvPr id="5" name="Title 4">
-            <a:extLst>
-              <a:ext uri="{FF2B5EF4-FFF2-40B4-BE49-F238E27FC236}">
-                <a16:creationId xmlns:a16="http://schemas.microsoft.com/office/drawing/2014/main" id="{8FBA75B4-2DD5-42EB-9397-F36BFB8BA723}"/>
-              </a:ext>
-            </a:extLst>
-          </p:cNvPr>
-          <p:cNvSpPr>
-            <a:spLocks noGrp="1"/>
-          </p:cNvSpPr>
-          <p:nvPr>
-            <p:ph type="title"/>
-          </p:nvPr>
-        </p:nvSpPr>
-        <p:spPr/>
-        <p:txBody>
-          <a:bodyPr>
-            <a:normAutofit fontScale="90000"/>
-          </a:bodyPr>
-          <a:lstStyle/>
-          <a:p>
-            <a:r>
-              <a:rPr lang="en-US" sz="4400" b="1" dirty="0">
-                <a:solidFill>
-                  <a:schemeClr val="accent1"/>
-                </a:solidFill>
-                <a:latin typeface="Arial" panose="020B0604020202020204" pitchFamily="34" charset="0"/>
-                <a:cs typeface="Arial" panose="020B0604020202020204" pitchFamily="34" charset="0"/>
-              </a:rPr>
-              <a:t>Technology  used</a:t>
-            </a:r>
-            <a:endParaRPr lang="en-US" sz="4400" dirty="0"/>
-          </a:p>
-        </p:txBody>
-      </p:sp>
-      <p:sp>
-        <p:nvSpPr>
           <p:cNvPr id="2" name="Content Placeholder 1">
             <a:extLst>
               <a:ext uri="{FF2B5EF4-FFF2-40B4-BE49-F238E27FC236}">
@@ -5047,22 +5720,220 @@
         </p:nvSpPr>
         <p:spPr>
           <a:xfrm>
-            <a:off x="441671" y="1087378"/>
-            <a:ext cx="11613485" cy="5563973"/>
-          </a:xfrm>
+            <a:off x="441671" y="1517715"/>
+            <a:ext cx="11613485" cy="4769963"/>
+          </a:xfrm>
+        </p:spPr>
+        <p:txBody>
+          <a:bodyPr vert="horz" lIns="91440" tIns="45720" rIns="91440" bIns="45720" rtlCol="0" anchor="t">
+            <a:noAutofit/>
+          </a:bodyPr>
+          <a:lstStyle/>
+          <a:p>
+            <a:pPr>
+              <a:buFont typeface="Wingdings" panose="05000000000000000000" pitchFamily="2" charset="2"/>
+              <a:buChar char="v"/>
+            </a:pPr>
+            <a:r>
+              <a:rPr lang="en-IN" sz="2000" b="1" dirty="0">
+                <a:solidFill>
+                  <a:schemeClr val="tx1"/>
+                </a:solidFill>
+              </a:rPr>
+              <a:t>Programming Language: </a:t>
+            </a:r>
+            <a:r>
+              <a:rPr lang="en-IN" sz="2000" dirty="0">
+                <a:solidFill>
+                  <a:schemeClr val="tx1"/>
+                </a:solidFill>
+              </a:rPr>
+              <a:t>Python</a:t>
+            </a:r>
+          </a:p>
+          <a:p>
+            <a:pPr>
+              <a:buFont typeface="Wingdings" panose="05000000000000000000" pitchFamily="2" charset="2"/>
+              <a:buChar char="v"/>
+            </a:pPr>
+            <a:r>
+              <a:rPr lang="en-IN" sz="2000" b="1" dirty="0">
+                <a:solidFill>
+                  <a:schemeClr val="tx1"/>
+                </a:solidFill>
+              </a:rPr>
+              <a:t>Libraries: </a:t>
+            </a:r>
+            <a:r>
+              <a:rPr lang="en-IN" sz="2000" dirty="0">
+                <a:solidFill>
+                  <a:schemeClr val="tx1"/>
+                </a:solidFill>
+              </a:rPr>
+              <a:t>OpenCV, PIL, Tkinter</a:t>
+            </a:r>
+          </a:p>
+          <a:p>
+            <a:pPr>
+              <a:buFont typeface="Wingdings" panose="05000000000000000000" pitchFamily="2" charset="2"/>
+              <a:buChar char="v"/>
+            </a:pPr>
+            <a:r>
+              <a:rPr lang="en-IN" sz="2000" b="1" dirty="0">
+                <a:solidFill>
+                  <a:schemeClr val="tx1"/>
+                </a:solidFill>
+              </a:rPr>
+              <a:t>Algorithm: </a:t>
+            </a:r>
+            <a:r>
+              <a:rPr lang="en-US" sz="2000" dirty="0">
+                <a:solidFill>
+                  <a:schemeClr val="tx1"/>
+                </a:solidFill>
+              </a:rPr>
+              <a:t>Least Significant Bit (LSB) Steganography</a:t>
+            </a:r>
+          </a:p>
+          <a:p>
+            <a:pPr>
+              <a:buFont typeface="Wingdings" panose="05000000000000000000" pitchFamily="2" charset="2"/>
+              <a:buChar char="v"/>
+            </a:pPr>
+            <a:r>
+              <a:rPr lang="en-IN" sz="2000" b="1" dirty="0">
+                <a:solidFill>
+                  <a:schemeClr val="tx1"/>
+                </a:solidFill>
+              </a:rPr>
+              <a:t>IDEs: </a:t>
+            </a:r>
+            <a:r>
+              <a:rPr lang="en-IN" sz="2000" dirty="0">
+                <a:solidFill>
+                  <a:schemeClr val="tx1"/>
+                </a:solidFill>
+              </a:rPr>
+              <a:t>Visual Studio Code, Notepad++</a:t>
+            </a:r>
+          </a:p>
+        </p:txBody>
+      </p:sp>
+      <p:sp>
+        <p:nvSpPr>
+          <p:cNvPr id="6" name="Title 4">
+            <a:extLst>
+              <a:ext uri="{FF2B5EF4-FFF2-40B4-BE49-F238E27FC236}">
+                <a16:creationId xmlns:a16="http://schemas.microsoft.com/office/drawing/2014/main" id="{D8DFE528-14FF-56B4-865E-468E3CFD60B0}"/>
+              </a:ext>
+            </a:extLst>
+          </p:cNvPr>
+          <p:cNvSpPr txBox="1">
+            <a:spLocks/>
+          </p:cNvSpPr>
+          <p:nvPr/>
+        </p:nvSpPr>
+        <p:spPr>
+          <a:xfrm>
+            <a:off x="535670" y="844659"/>
+            <a:ext cx="11029616" cy="530296"/>
+          </a:xfrm>
+          <a:prstGeom prst="rect">
+            <a:avLst/>
+          </a:prstGeom>
         </p:spPr>
         <p:txBody>
           <a:bodyPr vert="horz" lIns="91440" tIns="45720" rIns="91440" bIns="45720" rtlCol="0" anchor="ctr">
             <a:noAutofit/>
           </a:bodyPr>
-          <a:lstStyle/>
-          <a:p>
-            <a:pPr marL="0" indent="0">
+          <a:lstStyle>
+            <a:lvl1pPr algn="l" defTabSz="457200" rtl="0" eaLnBrk="1" latinLnBrk="0" hangingPunct="1">
+              <a:lnSpc>
+                <a:spcPct val="100000"/>
+              </a:lnSpc>
+              <a:spcBef>
+                <a:spcPct val="0"/>
+              </a:spcBef>
               <a:buNone/>
-            </a:pPr>
-            <a:r>
-              <a:rPr lang="en-IN" dirty="0"/>
-              <a:t>Mention libraries, platforms, </a:t>
+              <a:defRPr sz="2800" b="0" kern="1200" cap="all">
+                <a:solidFill>
+                  <a:schemeClr val="tx1">
+                    <a:lumMod val="75000"/>
+                    <a:lumOff val="25000"/>
+                  </a:schemeClr>
+                </a:solidFill>
+                <a:latin typeface="+mj-lt"/>
+                <a:ea typeface="+mj-ea"/>
+                <a:cs typeface="+mj-cs"/>
+              </a:defRPr>
+            </a:lvl1pPr>
+            <a:lvl2pPr eaLnBrk="1" hangingPunct="1">
+              <a:defRPr>
+                <a:solidFill>
+                  <a:schemeClr val="tx2"/>
+                </a:solidFill>
+              </a:defRPr>
+            </a:lvl2pPr>
+            <a:lvl3pPr eaLnBrk="1" hangingPunct="1">
+              <a:defRPr>
+                <a:solidFill>
+                  <a:schemeClr val="tx2"/>
+                </a:solidFill>
+              </a:defRPr>
+            </a:lvl3pPr>
+            <a:lvl4pPr eaLnBrk="1" hangingPunct="1">
+              <a:defRPr>
+                <a:solidFill>
+                  <a:schemeClr val="tx2"/>
+                </a:solidFill>
+              </a:defRPr>
+            </a:lvl4pPr>
+            <a:lvl5pPr eaLnBrk="1" hangingPunct="1">
+              <a:defRPr>
+                <a:solidFill>
+                  <a:schemeClr val="tx2"/>
+                </a:solidFill>
+              </a:defRPr>
+            </a:lvl5pPr>
+            <a:lvl6pPr eaLnBrk="1" hangingPunct="1">
+              <a:defRPr>
+                <a:solidFill>
+                  <a:schemeClr val="tx2"/>
+                </a:solidFill>
+              </a:defRPr>
+            </a:lvl6pPr>
+            <a:lvl7pPr eaLnBrk="1" hangingPunct="1">
+              <a:defRPr>
+                <a:solidFill>
+                  <a:schemeClr val="tx2"/>
+                </a:solidFill>
+              </a:defRPr>
+            </a:lvl7pPr>
+            <a:lvl8pPr eaLnBrk="1" hangingPunct="1">
+              <a:defRPr>
+                <a:solidFill>
+                  <a:schemeClr val="tx2"/>
+                </a:solidFill>
+              </a:defRPr>
+            </a:lvl8pPr>
+            <a:lvl9pPr eaLnBrk="1" hangingPunct="1">
+              <a:defRPr>
+                <a:solidFill>
+                  <a:schemeClr val="tx2"/>
+                </a:solidFill>
+              </a:defRPr>
+            </a:lvl9pPr>
+          </a:lstStyle>
+          <a:p>
+            <a:r>
+              <a:rPr lang="en-US" sz="4000" b="1" dirty="0">
+                <a:solidFill>
+                  <a:schemeClr val="accent1"/>
+                </a:solidFill>
+                <a:latin typeface="Arial"/>
+                <a:cs typeface="Arial"/>
+              </a:rPr>
+              <a:t>Technologies used</a:t>
             </a:r>
           </a:p>
         </p:txBody>
@@ -5099,10 +5970,10 @@
       </p:grpSpPr>
       <p:sp>
         <p:nvSpPr>
-          <p:cNvPr id="5" name="Title 4">
+          <p:cNvPr id="3" name="Content Placeholder 1">
             <a:extLst>
               <a:ext uri="{FF2B5EF4-FFF2-40B4-BE49-F238E27FC236}">
-                <a16:creationId xmlns:a16="http://schemas.microsoft.com/office/drawing/2014/main" id="{8FBA75B4-2DD5-42EB-9397-F36BFB8BA723}"/>
+                <a16:creationId xmlns:a16="http://schemas.microsoft.com/office/drawing/2014/main" id="{2E906353-974B-88C4-CC1C-6E677EC7A369}"/>
               </a:ext>
             </a:extLst>
           </p:cNvPr>
@@ -5110,73 +5981,225 @@
             <a:spLocks noGrp="1"/>
           </p:cNvSpPr>
           <p:nvPr>
-            <p:ph type="title"/>
-          </p:nvPr>
-        </p:nvSpPr>
-        <p:spPr>
-          <a:xfrm>
-            <a:off x="581191" y="771730"/>
-            <a:ext cx="11029616" cy="530296"/>
-          </a:xfrm>
-        </p:spPr>
-        <p:txBody>
-          <a:bodyPr>
+            <p:ph idx="1"/>
+          </p:nvPr>
+        </p:nvSpPr>
+        <p:spPr>
+          <a:xfrm>
+            <a:off x="441671" y="1517715"/>
+            <a:ext cx="11613485" cy="4845378"/>
+          </a:xfrm>
+        </p:spPr>
+        <p:txBody>
+          <a:bodyPr vert="horz" lIns="91440" tIns="45720" rIns="91440" bIns="45720" rtlCol="0" anchor="t">
             <a:noAutofit/>
           </a:bodyPr>
           <a:lstStyle/>
           <a:p>
-            <a:r>
-              <a:rPr lang="en-US" sz="3200" b="1" dirty="0">
+            <a:pPr>
+              <a:buFont typeface="Wingdings" panose="05000000000000000000" pitchFamily="2" charset="2"/>
+              <a:buChar char="v"/>
+            </a:pPr>
+            <a:r>
+              <a:rPr lang="en-US" sz="2000" b="1" dirty="0">
+                <a:solidFill>
+                  <a:schemeClr val="tx1"/>
+                </a:solidFill>
+              </a:rPr>
+              <a:t>Invisible Data Embedding: </a:t>
+            </a:r>
+            <a:r>
+              <a:rPr lang="en-US" sz="2000" dirty="0">
+                <a:solidFill>
+                  <a:schemeClr val="tx1"/>
+                </a:solidFill>
+              </a:rPr>
+              <a:t>Sensitive information is hidden within images without altering the visible appearance.</a:t>
+            </a:r>
+          </a:p>
+          <a:p>
+            <a:pPr>
+              <a:buFont typeface="Wingdings" panose="05000000000000000000" pitchFamily="2" charset="2"/>
+              <a:buChar char="v"/>
+            </a:pPr>
+            <a:r>
+              <a:rPr lang="en-US" sz="2000" b="1" dirty="0">
+                <a:solidFill>
+                  <a:schemeClr val="tx1"/>
+                </a:solidFill>
+              </a:rPr>
+              <a:t>Password Protection: </a:t>
+            </a:r>
+            <a:r>
+              <a:rPr lang="en-US" sz="2000" dirty="0">
+                <a:solidFill>
+                  <a:schemeClr val="tx1"/>
+                </a:solidFill>
+              </a:rPr>
+              <a:t>Ensures that only authorized users can extract the hidden message.</a:t>
+            </a:r>
+          </a:p>
+          <a:p>
+            <a:pPr>
+              <a:buFont typeface="Wingdings" panose="05000000000000000000" pitchFamily="2" charset="2"/>
+              <a:buChar char="v"/>
+            </a:pPr>
+            <a:r>
+              <a:rPr lang="en-US" sz="2000" b="1" dirty="0">
+                <a:solidFill>
+                  <a:schemeClr val="tx1"/>
+                </a:solidFill>
+              </a:rPr>
+              <a:t>User-Friendly GUI: </a:t>
+            </a:r>
+            <a:r>
+              <a:rPr lang="en-US" sz="2000" dirty="0">
+                <a:solidFill>
+                  <a:schemeClr val="tx1"/>
+                </a:solidFill>
+              </a:rPr>
+              <a:t>Allows even non-technical users to encrypt and decrypt messages with ease.</a:t>
+            </a:r>
+          </a:p>
+          <a:p>
+            <a:pPr>
+              <a:buFont typeface="Wingdings" panose="05000000000000000000" pitchFamily="2" charset="2"/>
+              <a:buChar char="v"/>
+            </a:pPr>
+            <a:r>
+              <a:rPr lang="en-US" sz="2000" b="1" dirty="0">
+                <a:solidFill>
+                  <a:schemeClr val="tx1"/>
+                </a:solidFill>
+              </a:rPr>
+              <a:t>Cross-Platform Compatibility: </a:t>
+            </a:r>
+            <a:r>
+              <a:rPr lang="en-US" sz="2000" dirty="0">
+                <a:solidFill>
+                  <a:schemeClr val="tx1"/>
+                </a:solidFill>
+              </a:rPr>
+              <a:t>The tool can run on Windows, Linux, and MacOS.</a:t>
+            </a:r>
+          </a:p>
+        </p:txBody>
+      </p:sp>
+      <p:sp>
+        <p:nvSpPr>
+          <p:cNvPr id="8" name="Title 4">
+            <a:extLst>
+              <a:ext uri="{FF2B5EF4-FFF2-40B4-BE49-F238E27FC236}">
+                <a16:creationId xmlns:a16="http://schemas.microsoft.com/office/drawing/2014/main" id="{67E5DA5D-F328-48CA-9E36-B039BA374D5A}"/>
+              </a:ext>
+            </a:extLst>
+          </p:cNvPr>
+          <p:cNvSpPr txBox="1">
+            <a:spLocks/>
+          </p:cNvSpPr>
+          <p:nvPr/>
+        </p:nvSpPr>
+        <p:spPr>
+          <a:xfrm>
+            <a:off x="535670" y="844659"/>
+            <a:ext cx="11029616" cy="530296"/>
+          </a:xfrm>
+          <a:prstGeom prst="rect">
+            <a:avLst/>
+          </a:prstGeom>
+        </p:spPr>
+        <p:txBody>
+          <a:bodyPr vert="horz" lIns="91440" tIns="45720" rIns="91440" bIns="45720" rtlCol="0" anchor="ctr">
+            <a:noAutofit/>
+          </a:bodyPr>
+          <a:lstStyle>
+            <a:lvl1pPr algn="l" defTabSz="457200" rtl="0" eaLnBrk="1" latinLnBrk="0" hangingPunct="1">
+              <a:lnSpc>
+                <a:spcPct val="100000"/>
+              </a:lnSpc>
+              <a:spcBef>
+                <a:spcPct val="0"/>
+              </a:spcBef>
+              <a:buNone/>
+              <a:defRPr sz="2800" b="0" kern="1200" cap="all">
+                <a:solidFill>
+                  <a:schemeClr val="tx1">
+                    <a:lumMod val="75000"/>
+                    <a:lumOff val="25000"/>
+                  </a:schemeClr>
+                </a:solidFill>
+                <a:latin typeface="+mj-lt"/>
+                <a:ea typeface="+mj-ea"/>
+                <a:cs typeface="+mj-cs"/>
+              </a:defRPr>
+            </a:lvl1pPr>
+            <a:lvl2pPr eaLnBrk="1" hangingPunct="1">
+              <a:defRPr>
+                <a:solidFill>
+                  <a:schemeClr val="tx2"/>
+                </a:solidFill>
+              </a:defRPr>
+            </a:lvl2pPr>
+            <a:lvl3pPr eaLnBrk="1" hangingPunct="1">
+              <a:defRPr>
+                <a:solidFill>
+                  <a:schemeClr val="tx2"/>
+                </a:solidFill>
+              </a:defRPr>
+            </a:lvl3pPr>
+            <a:lvl4pPr eaLnBrk="1" hangingPunct="1">
+              <a:defRPr>
+                <a:solidFill>
+                  <a:schemeClr val="tx2"/>
+                </a:solidFill>
+              </a:defRPr>
+            </a:lvl4pPr>
+            <a:lvl5pPr eaLnBrk="1" hangingPunct="1">
+              <a:defRPr>
+                <a:solidFill>
+                  <a:schemeClr val="tx2"/>
+                </a:solidFill>
+              </a:defRPr>
+            </a:lvl5pPr>
+            <a:lvl6pPr eaLnBrk="1" hangingPunct="1">
+              <a:defRPr>
+                <a:solidFill>
+                  <a:schemeClr val="tx2"/>
+                </a:solidFill>
+              </a:defRPr>
+            </a:lvl6pPr>
+            <a:lvl7pPr eaLnBrk="1" hangingPunct="1">
+              <a:defRPr>
+                <a:solidFill>
+                  <a:schemeClr val="tx2"/>
+                </a:solidFill>
+              </a:defRPr>
+            </a:lvl7pPr>
+            <a:lvl8pPr eaLnBrk="1" hangingPunct="1">
+              <a:defRPr>
+                <a:solidFill>
+                  <a:schemeClr val="tx2"/>
+                </a:solidFill>
+              </a:defRPr>
+            </a:lvl8pPr>
+            <a:lvl9pPr eaLnBrk="1" hangingPunct="1">
+              <a:defRPr>
+                <a:solidFill>
+                  <a:schemeClr val="tx2"/>
+                </a:solidFill>
+              </a:defRPr>
+            </a:lvl9pPr>
+          </a:lstStyle>
+          <a:p>
+            <a:r>
+              <a:rPr lang="en-US" sz="4000" b="1" dirty="0">
                 <a:solidFill>
                   <a:schemeClr val="accent1"/>
                 </a:solidFill>
                 <a:latin typeface="Arial"/>
-                <a:ea typeface="+mj-lt"/>
                 <a:cs typeface="Arial"/>
               </a:rPr>
               <a:t>Wow factors</a:t>
-            </a:r>
-            <a:endParaRPr lang="en-US" sz="3200" dirty="0">
-              <a:solidFill>
-                <a:schemeClr val="accent1"/>
-              </a:solidFill>
-              <a:latin typeface="Calibri Light"/>
-              <a:cs typeface="Calibri Light"/>
-            </a:endParaRPr>
-          </a:p>
-        </p:txBody>
-      </p:sp>
-      <p:sp>
-        <p:nvSpPr>
-          <p:cNvPr id="2" name="Content Placeholder 1">
-            <a:extLst>
-              <a:ext uri="{FF2B5EF4-FFF2-40B4-BE49-F238E27FC236}">
-                <a16:creationId xmlns:a16="http://schemas.microsoft.com/office/drawing/2014/main" id="{C4FFAF3C-BA60-9181-132C-C36C403AAEA7}"/>
-              </a:ext>
-            </a:extLst>
-          </p:cNvPr>
-          <p:cNvSpPr>
-            <a:spLocks noGrp="1"/>
-          </p:cNvSpPr>
-          <p:nvPr>
-            <p:ph idx="1"/>
-          </p:nvPr>
-        </p:nvSpPr>
-        <p:spPr/>
-        <p:txBody>
-          <a:bodyPr/>
-          <a:lstStyle/>
-          <a:p>
-            <a:pPr marL="0" indent="0">
-              <a:buNone/>
-            </a:pPr>
-            <a:r>
-              <a:rPr lang="en-IN" sz="1800" b="1" dirty="0">
-                <a:solidFill>
-                  <a:srgbClr val="0F0F0F"/>
-                </a:solidFill>
-              </a:rPr>
-              <a:t>What makes this project stand out from other project(Unique features)</a:t>
             </a:r>
           </a:p>
         </p:txBody>
@@ -5213,10 +6236,10 @@
       </p:grpSpPr>
       <p:sp>
         <p:nvSpPr>
-          <p:cNvPr id="2" name="Title 1">
+          <p:cNvPr id="6" name="Content Placeholder 1">
             <a:extLst>
               <a:ext uri="{FF2B5EF4-FFF2-40B4-BE49-F238E27FC236}">
-                <a16:creationId xmlns:a16="http://schemas.microsoft.com/office/drawing/2014/main" id="{5F45986D-DBC5-8220-FE6F-7F2ABC7C4CEE}"/>
+                <a16:creationId xmlns:a16="http://schemas.microsoft.com/office/drawing/2014/main" id="{2A038286-32A2-1137-FE5A-0F7ED42DBD9D}"/>
               </a:ext>
             </a:extLst>
           </p:cNvPr>
@@ -5224,49 +6247,225 @@
             <a:spLocks noGrp="1"/>
           </p:cNvSpPr>
           <p:nvPr>
-            <p:ph type="title"/>
-          </p:nvPr>
-        </p:nvSpPr>
-        <p:spPr/>
-        <p:txBody>
-          <a:bodyPr/>
+            <p:ph idx="1"/>
+          </p:nvPr>
+        </p:nvSpPr>
+        <p:spPr>
+          <a:xfrm>
+            <a:off x="441671" y="1517715"/>
+            <a:ext cx="11613485" cy="4845378"/>
+          </a:xfrm>
+        </p:spPr>
+        <p:txBody>
+          <a:bodyPr vert="horz" lIns="91440" tIns="45720" rIns="91440" bIns="45720" rtlCol="0" anchor="t">
+            <a:noAutofit/>
+          </a:bodyPr>
           <a:lstStyle/>
           <a:p>
-            <a:r>
-              <a:rPr lang="en-IN" dirty="0">
-                <a:solidFill>
-                  <a:schemeClr val="accent1"/>
+            <a:pPr>
+              <a:buFont typeface="Wingdings" panose="05000000000000000000" pitchFamily="2" charset="2"/>
+              <a:buChar char="v"/>
+            </a:pPr>
+            <a:r>
+              <a:rPr lang="en-US" sz="2000" b="1" dirty="0">
+                <a:solidFill>
+                  <a:schemeClr val="tx1"/>
                 </a:solidFill>
               </a:rPr>
-              <a:t>End users</a:t>
-            </a:r>
-          </a:p>
-        </p:txBody>
-      </p:sp>
-      <p:sp>
-        <p:nvSpPr>
-          <p:cNvPr id="3" name="Content Placeholder 2">
+              <a:t>Business Organizations: </a:t>
+            </a:r>
+            <a:r>
+              <a:rPr lang="en-US" sz="2000" dirty="0">
+                <a:solidFill>
+                  <a:schemeClr val="tx1"/>
+                </a:solidFill>
+              </a:rPr>
+              <a:t>To protect confidential company information.</a:t>
+            </a:r>
+          </a:p>
+          <a:p>
+            <a:pPr>
+              <a:buFont typeface="Wingdings" panose="05000000000000000000" pitchFamily="2" charset="2"/>
+              <a:buChar char="v"/>
+            </a:pPr>
+            <a:r>
+              <a:rPr lang="en-US" sz="2000" b="1" dirty="0">
+                <a:solidFill>
+                  <a:schemeClr val="tx1"/>
+                </a:solidFill>
+              </a:rPr>
+              <a:t>Government and Military: </a:t>
+            </a:r>
+            <a:r>
+              <a:rPr lang="en-US" sz="2000" dirty="0">
+                <a:solidFill>
+                  <a:schemeClr val="tx1"/>
+                </a:solidFill>
+              </a:rPr>
+              <a:t>For safe transfer of classified information.</a:t>
+            </a:r>
+          </a:p>
+          <a:p>
+            <a:pPr>
+              <a:buFont typeface="Wingdings" panose="05000000000000000000" pitchFamily="2" charset="2"/>
+              <a:buChar char="v"/>
+            </a:pPr>
+            <a:r>
+              <a:rPr lang="en-US" sz="2000" b="1" dirty="0">
+                <a:solidFill>
+                  <a:schemeClr val="tx1"/>
+                </a:solidFill>
+              </a:rPr>
+              <a:t>General Public: </a:t>
+            </a:r>
+            <a:r>
+              <a:rPr lang="en-US" sz="2000" dirty="0">
+                <a:solidFill>
+                  <a:schemeClr val="tx1"/>
+                </a:solidFill>
+              </a:rPr>
+              <a:t>For personal data privacy and protection.</a:t>
+            </a:r>
+          </a:p>
+          <a:p>
+            <a:pPr>
+              <a:buFont typeface="Wingdings" panose="05000000000000000000" pitchFamily="2" charset="2"/>
+              <a:buChar char="v"/>
+            </a:pPr>
+            <a:r>
+              <a:rPr lang="en-US" sz="2000" b="1" dirty="0">
+                <a:solidFill>
+                  <a:schemeClr val="tx1"/>
+                </a:solidFill>
+              </a:rPr>
+              <a:t>Journalists and Activists: </a:t>
+            </a:r>
+            <a:r>
+              <a:rPr lang="en-US" sz="2000" dirty="0">
+                <a:solidFill>
+                  <a:schemeClr val="tx1"/>
+                </a:solidFill>
+              </a:rPr>
+              <a:t>For private communication in critical scenarios.</a:t>
+            </a:r>
+          </a:p>
+        </p:txBody>
+      </p:sp>
+      <p:sp>
+        <p:nvSpPr>
+          <p:cNvPr id="9" name="Title 4">
             <a:extLst>
               <a:ext uri="{FF2B5EF4-FFF2-40B4-BE49-F238E27FC236}">
-                <a16:creationId xmlns:a16="http://schemas.microsoft.com/office/drawing/2014/main" id="{AB679E23-F86A-AFA9-FE9C-7F5A518E8198}"/>
+                <a16:creationId xmlns:a16="http://schemas.microsoft.com/office/drawing/2014/main" id="{62CB77E6-6703-0FDB-105B-1B00D6A93032}"/>
               </a:ext>
             </a:extLst>
           </p:cNvPr>
-          <p:cNvSpPr>
-            <a:spLocks noGrp="1"/>
-          </p:cNvSpPr>
-          <p:nvPr>
-            <p:ph idx="1"/>
-          </p:nvPr>
-        </p:nvSpPr>
-        <p:spPr/>
-        <p:txBody>
-          <a:bodyPr/>
-          <a:lstStyle/>
-          <a:p>
-            <a:r>
-              <a:rPr lang="en-IN" dirty="0"/>
-              <a:t>Who are the end users</a:t>
+          <p:cNvSpPr txBox="1">
+            <a:spLocks/>
+          </p:cNvSpPr>
+          <p:nvPr/>
+        </p:nvSpPr>
+        <p:spPr>
+          <a:xfrm>
+            <a:off x="535670" y="844659"/>
+            <a:ext cx="11029616" cy="530296"/>
+          </a:xfrm>
+          <a:prstGeom prst="rect">
+            <a:avLst/>
+          </a:prstGeom>
+        </p:spPr>
+        <p:txBody>
+          <a:bodyPr vert="horz" lIns="91440" tIns="45720" rIns="91440" bIns="45720" rtlCol="0" anchor="ctr">
+            <a:noAutofit/>
+          </a:bodyPr>
+          <a:lstStyle>
+            <a:lvl1pPr algn="l" defTabSz="457200" rtl="0" eaLnBrk="1" latinLnBrk="0" hangingPunct="1">
+              <a:lnSpc>
+                <a:spcPct val="100000"/>
+              </a:lnSpc>
+              <a:spcBef>
+                <a:spcPct val="0"/>
+              </a:spcBef>
+              <a:buNone/>
+              <a:defRPr sz="2800" b="0" kern="1200" cap="all">
+                <a:solidFill>
+                  <a:schemeClr val="tx1">
+                    <a:lumMod val="75000"/>
+                    <a:lumOff val="25000"/>
+                  </a:schemeClr>
+                </a:solidFill>
+                <a:latin typeface="+mj-lt"/>
+                <a:ea typeface="+mj-ea"/>
+                <a:cs typeface="+mj-cs"/>
+              </a:defRPr>
+            </a:lvl1pPr>
+            <a:lvl2pPr eaLnBrk="1" hangingPunct="1">
+              <a:defRPr>
+                <a:solidFill>
+                  <a:schemeClr val="tx2"/>
+                </a:solidFill>
+              </a:defRPr>
+            </a:lvl2pPr>
+            <a:lvl3pPr eaLnBrk="1" hangingPunct="1">
+              <a:defRPr>
+                <a:solidFill>
+                  <a:schemeClr val="tx2"/>
+                </a:solidFill>
+              </a:defRPr>
+            </a:lvl3pPr>
+            <a:lvl4pPr eaLnBrk="1" hangingPunct="1">
+              <a:defRPr>
+                <a:solidFill>
+                  <a:schemeClr val="tx2"/>
+                </a:solidFill>
+              </a:defRPr>
+            </a:lvl4pPr>
+            <a:lvl5pPr eaLnBrk="1" hangingPunct="1">
+              <a:defRPr>
+                <a:solidFill>
+                  <a:schemeClr val="tx2"/>
+                </a:solidFill>
+              </a:defRPr>
+            </a:lvl5pPr>
+            <a:lvl6pPr eaLnBrk="1" hangingPunct="1">
+              <a:defRPr>
+                <a:solidFill>
+                  <a:schemeClr val="tx2"/>
+                </a:solidFill>
+              </a:defRPr>
+            </a:lvl6pPr>
+            <a:lvl7pPr eaLnBrk="1" hangingPunct="1">
+              <a:defRPr>
+                <a:solidFill>
+                  <a:schemeClr val="tx2"/>
+                </a:solidFill>
+              </a:defRPr>
+            </a:lvl7pPr>
+            <a:lvl8pPr eaLnBrk="1" hangingPunct="1">
+              <a:defRPr>
+                <a:solidFill>
+                  <a:schemeClr val="tx2"/>
+                </a:solidFill>
+              </a:defRPr>
+            </a:lvl8pPr>
+            <a:lvl9pPr eaLnBrk="1" hangingPunct="1">
+              <a:defRPr>
+                <a:solidFill>
+                  <a:schemeClr val="tx2"/>
+                </a:solidFill>
+              </a:defRPr>
+            </a:lvl9pPr>
+          </a:lstStyle>
+          <a:p>
+            <a:r>
+              <a:rPr lang="en-US" sz="4000" b="1" dirty="0">
+                <a:solidFill>
+                  <a:schemeClr val="accent1"/>
+                </a:solidFill>
+                <a:latin typeface="Arial"/>
+                <a:cs typeface="Arial"/>
+              </a:rPr>
+              <a:t>End users</a:t>
             </a:r>
           </a:p>
         </p:txBody>
@@ -5319,11 +6518,13 @@
         </p:nvSpPr>
         <p:spPr/>
         <p:txBody>
-          <a:bodyPr/>
+          <a:bodyPr anchor="ctr">
+            <a:noAutofit/>
+          </a:bodyPr>
           <a:lstStyle/>
           <a:p>
             <a:r>
-              <a:rPr lang="en-IN" dirty="0">
+              <a:rPr lang="en-IN" sz="4000" dirty="0">
                 <a:solidFill>
                   <a:schemeClr val="accent1"/>
                 </a:solidFill>
@@ -5333,34 +6534,40 @@
           </a:p>
         </p:txBody>
       </p:sp>
-      <p:sp>
-        <p:nvSpPr>
-          <p:cNvPr id="3" name="Content Placeholder 2">
+      <p:pic>
+        <p:nvPicPr>
+          <p:cNvPr id="7" name="Picture 6">
             <a:extLst>
               <a:ext uri="{FF2B5EF4-FFF2-40B4-BE49-F238E27FC236}">
-                <a16:creationId xmlns:a16="http://schemas.microsoft.com/office/drawing/2014/main" id="{805D7125-AC62-752D-6E68-9EB88BCC631C}"/>
+                <a16:creationId xmlns:a16="http://schemas.microsoft.com/office/drawing/2014/main" id="{59A83D9E-EA83-7919-27E8-8C232171BF06}"/>
               </a:ext>
             </a:extLst>
           </p:cNvPr>
-          <p:cNvSpPr>
-            <a:spLocks noGrp="1"/>
-          </p:cNvSpPr>
-          <p:nvPr>
-            <p:ph idx="1"/>
-          </p:nvPr>
-        </p:nvSpPr>
-        <p:spPr/>
-        <p:txBody>
-          <a:bodyPr/>
-          <a:lstStyle/>
-          <a:p>
-            <a:r>
-              <a:rPr lang="en-IN" dirty="0"/>
-              <a:t>Screenshots of the outcome (min 3)</a:t>
-            </a:r>
-          </a:p>
-        </p:txBody>
-      </p:sp>
+          <p:cNvPicPr>
+            <a:picLocks noChangeAspect="1"/>
+          </p:cNvPicPr>
+          <p:nvPr/>
+        </p:nvPicPr>
+        <p:blipFill>
+          <a:blip r:embed="rId2"/>
+          <a:srcRect l="293" t="644" r="372" b="530"/>
+          <a:stretch/>
+        </p:blipFill>
+        <p:spPr>
+          <a:xfrm>
+            <a:off x="2895599" y="1432560"/>
+            <a:ext cx="6395721" cy="4785360"/>
+          </a:xfrm>
+          <a:prstGeom prst="rect">
+            <a:avLst/>
+          </a:prstGeom>
+          <a:ln w="12700">
+            <a:solidFill>
+              <a:schemeClr val="tx1"/>
+            </a:solidFill>
+          </a:ln>
+        </p:spPr>
+      </p:pic>
     </p:spTree>
     <p:extLst>
       <p:ext uri="{BB962C8B-B14F-4D97-AF65-F5344CB8AC3E}">
@@ -5379,7 +6586,13 @@
   <p:cSld>
     <p:spTree>
       <p:nvGrpSpPr>
-        <p:cNvPr id="1" name=""/>
+        <p:cNvPr id="1" name="">
+          <a:extLst>
+            <a:ext uri="{FF2B5EF4-FFF2-40B4-BE49-F238E27FC236}">
+              <a16:creationId xmlns:a16="http://schemas.microsoft.com/office/drawing/2014/main" id="{FEF33A81-26C2-59CC-7E88-985712450FBF}"/>
+            </a:ext>
+          </a:extLst>
+        </p:cNvPr>
         <p:cNvGrpSpPr/>
         <p:nvPr/>
       </p:nvGrpSpPr>
@@ -5396,7 +6609,7 @@
           <p:cNvPr id="2" name="Title 1">
             <a:extLst>
               <a:ext uri="{FF2B5EF4-FFF2-40B4-BE49-F238E27FC236}">
-                <a16:creationId xmlns:a16="http://schemas.microsoft.com/office/drawing/2014/main" id="{FA4C6B3D-1072-C2D2-EBFE-E33CABE394D1}"/>
+                <a16:creationId xmlns:a16="http://schemas.microsoft.com/office/drawing/2014/main" id="{D459BB13-8F6A-622B-6F60-B0181AE466B9}"/>
               </a:ext>
             </a:extLst>
           </p:cNvPr>
@@ -5409,52 +6622,60 @@
         </p:nvSpPr>
         <p:spPr/>
         <p:txBody>
-          <a:bodyPr/>
+          <a:bodyPr anchor="ctr">
+            <a:noAutofit/>
+          </a:bodyPr>
           <a:lstStyle/>
           <a:p>
             <a:r>
-              <a:rPr lang="en-IN" dirty="0">
+              <a:rPr lang="en-IN" sz="4000" dirty="0">
                 <a:solidFill>
                   <a:schemeClr val="accent1"/>
                 </a:solidFill>
               </a:rPr>
-              <a:t>Conclusion</a:t>
-            </a:r>
-          </a:p>
-        </p:txBody>
-      </p:sp>
-      <p:sp>
-        <p:nvSpPr>
-          <p:cNvPr id="3" name="Content Placeholder 2">
+              <a:t>Results</a:t>
+            </a:r>
+          </a:p>
+        </p:txBody>
+      </p:sp>
+      <p:pic>
+        <p:nvPicPr>
+          <p:cNvPr id="4" name="Picture 3">
             <a:extLst>
               <a:ext uri="{FF2B5EF4-FFF2-40B4-BE49-F238E27FC236}">
-                <a16:creationId xmlns:a16="http://schemas.microsoft.com/office/drawing/2014/main" id="{D4974547-DF1B-77BB-E545-9344EDB9AD3F}"/>
+                <a16:creationId xmlns:a16="http://schemas.microsoft.com/office/drawing/2014/main" id="{C28ABAA7-661B-AAC3-7B87-D92C83710B33}"/>
               </a:ext>
             </a:extLst>
           </p:cNvPr>
-          <p:cNvSpPr>
-            <a:spLocks noGrp="1"/>
-          </p:cNvSpPr>
-          <p:nvPr>
-            <p:ph idx="1"/>
-          </p:nvPr>
-        </p:nvSpPr>
-        <p:spPr/>
-        <p:txBody>
-          <a:bodyPr/>
-          <a:lstStyle/>
-          <a:p>
-            <a:r>
-              <a:rPr lang="en-IN" dirty="0"/>
-              <a:t>Conclude your project concerning your problem statement</a:t>
-            </a:r>
-          </a:p>
-        </p:txBody>
-      </p:sp>
+          <p:cNvPicPr>
+            <a:picLocks noChangeAspect="1"/>
+          </p:cNvPicPr>
+          <p:nvPr/>
+        </p:nvPicPr>
+        <p:blipFill>
+          <a:blip r:embed="rId2"/>
+          <a:srcRect l="284" t="650" r="403" b="589"/>
+          <a:stretch/>
+        </p:blipFill>
+        <p:spPr>
+          <a:xfrm>
+            <a:off x="2895600" y="1436369"/>
+            <a:ext cx="6393180" cy="4792981"/>
+          </a:xfrm>
+          <a:prstGeom prst="rect">
+            <a:avLst/>
+          </a:prstGeom>
+          <a:ln w="12700">
+            <a:solidFill>
+              <a:schemeClr val="tx1"/>
+            </a:solidFill>
+          </a:ln>
+        </p:spPr>
+      </p:pic>
     </p:spTree>
     <p:extLst>
       <p:ext uri="{BB962C8B-B14F-4D97-AF65-F5344CB8AC3E}">
-        <p14:creationId xmlns:p14="http://schemas.microsoft.com/office/powerpoint/2010/main" val="4233882376"/>
+        <p14:creationId xmlns:p14="http://schemas.microsoft.com/office/powerpoint/2010/main" val="4169765906"/>
       </p:ext>
     </p:extLst>
   </p:cSld>
@@ -5469,7 +6690,13 @@
   <p:cSld>
     <p:spTree>
       <p:nvGrpSpPr>
-        <p:cNvPr id="1" name=""/>
+        <p:cNvPr id="1" name="">
+          <a:extLst>
+            <a:ext uri="{FF2B5EF4-FFF2-40B4-BE49-F238E27FC236}">
+              <a16:creationId xmlns:a16="http://schemas.microsoft.com/office/drawing/2014/main" id="{58764E00-B5B7-0B2D-FB07-5CAA734C695C}"/>
+            </a:ext>
+          </a:extLst>
+        </p:cNvPr>
         <p:cNvGrpSpPr/>
         <p:nvPr/>
       </p:nvGrpSpPr>
@@ -5486,7 +6713,7 @@
           <p:cNvPr id="2" name="Title 1">
             <a:extLst>
               <a:ext uri="{FF2B5EF4-FFF2-40B4-BE49-F238E27FC236}">
-                <a16:creationId xmlns:a16="http://schemas.microsoft.com/office/drawing/2014/main" id="{48E9F08C-D61F-627D-C4E5-397E3E84FC45}"/>
+                <a16:creationId xmlns:a16="http://schemas.microsoft.com/office/drawing/2014/main" id="{BFF92CCF-318D-BC06-AFF7-B7D4D1EAD4F2}"/>
               </a:ext>
             </a:extLst>
           </p:cNvPr>
@@ -5499,52 +6726,142 @@
         </p:nvSpPr>
         <p:spPr/>
         <p:txBody>
-          <a:bodyPr/>
+          <a:bodyPr anchor="ctr">
+            <a:noAutofit/>
+          </a:bodyPr>
           <a:lstStyle/>
           <a:p>
             <a:r>
-              <a:rPr lang="en-IN" dirty="0">
+              <a:rPr lang="en-IN" sz="4000" dirty="0">
                 <a:solidFill>
                   <a:schemeClr val="accent1"/>
                 </a:solidFill>
               </a:rPr>
-              <a:t>GitHub Link</a:t>
-            </a:r>
-          </a:p>
-        </p:txBody>
-      </p:sp>
-      <p:sp>
-        <p:nvSpPr>
-          <p:cNvPr id="3" name="Content Placeholder 2">
+              <a:t>Results</a:t>
+            </a:r>
+          </a:p>
+        </p:txBody>
+      </p:sp>
+      <p:pic>
+        <p:nvPicPr>
+          <p:cNvPr id="4" name="Picture 3">
             <a:extLst>
               <a:ext uri="{FF2B5EF4-FFF2-40B4-BE49-F238E27FC236}">
-                <a16:creationId xmlns:a16="http://schemas.microsoft.com/office/drawing/2014/main" id="{51A299DD-46FA-7866-41D8-C1BFCC2F69DD}"/>
+                <a16:creationId xmlns:a16="http://schemas.microsoft.com/office/drawing/2014/main" id="{73800788-3328-8DC3-4F2A-F630D518C1F0}"/>
               </a:ext>
             </a:extLst>
           </p:cNvPr>
-          <p:cNvSpPr>
-            <a:spLocks noGrp="1"/>
-          </p:cNvSpPr>
-          <p:nvPr>
-            <p:ph idx="1"/>
-          </p:nvPr>
-        </p:nvSpPr>
-        <p:spPr/>
-        <p:txBody>
-          <a:bodyPr/>
+          <p:cNvPicPr>
+            <a:picLocks noChangeAspect="1"/>
+          </p:cNvPicPr>
+          <p:nvPr/>
+        </p:nvPicPr>
+        <p:blipFill>
+          <a:blip r:embed="rId2"/>
+          <a:srcRect l="1899" t="2685" r="1601" b="4544"/>
+          <a:stretch/>
+        </p:blipFill>
+        <p:spPr>
+          <a:xfrm>
+            <a:off x="4236865" y="1354372"/>
+            <a:ext cx="3718270" cy="1518107"/>
+          </a:xfrm>
+          <a:prstGeom prst="rect">
+            <a:avLst/>
+          </a:prstGeom>
+          <a:ln w="12700">
+            <a:solidFill>
+              <a:schemeClr val="tx1"/>
+            </a:solidFill>
+          </a:ln>
+        </p:spPr>
+      </p:pic>
+      <p:pic>
+        <p:nvPicPr>
+          <p:cNvPr id="6" name="Picture 5">
+            <a:extLst>
+              <a:ext uri="{FF2B5EF4-FFF2-40B4-BE49-F238E27FC236}">
+                <a16:creationId xmlns:a16="http://schemas.microsoft.com/office/drawing/2014/main" id="{6D2AD6B2-A1B1-7652-F5C4-9359867156AD}"/>
+              </a:ext>
+            </a:extLst>
+          </p:cNvPr>
+          <p:cNvPicPr>
+            <a:picLocks noChangeAspect="1"/>
+          </p:cNvPicPr>
+          <p:nvPr/>
+        </p:nvPicPr>
+        <p:blipFill>
+          <a:blip r:embed="rId3"/>
+          <a:stretch>
+            <a:fillRect/>
+          </a:stretch>
+        </p:blipFill>
+        <p:spPr>
+          <a:xfrm>
+            <a:off x="2773548" y="3017520"/>
+            <a:ext cx="6644904" cy="3270404"/>
+          </a:xfrm>
+          <a:prstGeom prst="rect">
+            <a:avLst/>
+          </a:prstGeom>
+        </p:spPr>
+      </p:pic>
+      <p:sp>
+        <p:nvSpPr>
+          <p:cNvPr id="7" name="Rectangle 6">
+            <a:extLst>
+              <a:ext uri="{FF2B5EF4-FFF2-40B4-BE49-F238E27FC236}">
+                <a16:creationId xmlns:a16="http://schemas.microsoft.com/office/drawing/2014/main" id="{404E12AA-18F7-F0D1-C17A-963EBD3460E0}"/>
+              </a:ext>
+            </a:extLst>
+          </p:cNvPr>
+          <p:cNvSpPr/>
+          <p:nvPr/>
+        </p:nvSpPr>
+        <p:spPr>
+          <a:xfrm>
+            <a:off x="2844800" y="4866640"/>
+            <a:ext cx="1757680" cy="314960"/>
+          </a:xfrm>
+          <a:prstGeom prst="rect">
+            <a:avLst/>
+          </a:prstGeom>
+          <a:noFill/>
+          <a:ln w="28575">
+            <a:solidFill>
+              <a:srgbClr val="FF0000"/>
+            </a:solidFill>
+          </a:ln>
+        </p:spPr>
+        <p:style>
+          <a:lnRef idx="2">
+            <a:schemeClr val="accent1">
+              <a:shade val="15000"/>
+            </a:schemeClr>
+          </a:lnRef>
+          <a:fillRef idx="1">
+            <a:schemeClr val="accent1"/>
+          </a:fillRef>
+          <a:effectRef idx="0">
+            <a:schemeClr val="accent1"/>
+          </a:effectRef>
+          <a:fontRef idx="minor">
+            <a:schemeClr val="lt1"/>
+          </a:fontRef>
+        </p:style>
+        <p:txBody>
+          <a:bodyPr rtlCol="0" anchor="ctr"/>
           <a:lstStyle/>
           <a:p>
-            <a:r>
-              <a:rPr lang="en-IN" dirty="0"/>
-              <a:t>Make sure that there should be readme file</a:t>
-            </a:r>
+            <a:pPr algn="ctr"/>
+            <a:endParaRPr lang="en-US"/>
           </a:p>
         </p:txBody>
       </p:sp>
     </p:spTree>
     <p:extLst>
       <p:ext uri="{BB962C8B-B14F-4D97-AF65-F5344CB8AC3E}">
-        <p14:creationId xmlns:p14="http://schemas.microsoft.com/office/powerpoint/2010/main" val="2230664768"/>
+        <p14:creationId xmlns:p14="http://schemas.microsoft.com/office/powerpoint/2010/main" val="1034193061"/>
       </p:ext>
     </p:extLst>
   </p:cSld>
@@ -6119,12 +7436,11 @@
 </file>
 
 <file path=customXml/item1.xml><?xml version="1.0" encoding="utf-8"?>
-<?mso-contentType ?>
-<FormTemplates xmlns="http://schemas.microsoft.com/sharepoint/v3/contenttype/forms">
-  <Display>DocumentLibraryForm</Display>
-  <Edit>DocumentLibraryForm</Edit>
-  <New>DocumentLibraryForm</New>
-</FormTemplates>
+<p:properties xmlns:p="http://schemas.microsoft.com/office/2006/metadata/properties" xmlns:xsi="http://www.w3.org/2001/XMLSchema-instance" xmlns:pc="http://schemas.microsoft.com/office/infopath/2007/PartnerControls">
+  <documentManagement>
+    <_activity xmlns="b30265f8-c5e2-4918-b4a1-b977299ca3e2" xsi:nil="true"/>
+  </documentManagement>
+</p:properties>
 </file>
 
 <file path=customXml/item2.xml><?xml version="1.0" encoding="utf-8"?>
@@ -6361,17 +7677,27 @@
 </file>
 
 <file path=customXml/item3.xml><?xml version="1.0" encoding="utf-8"?>
-<p:properties xmlns:p="http://schemas.microsoft.com/office/2006/metadata/properties" xmlns:xsi="http://www.w3.org/2001/XMLSchema-instance" xmlns:pc="http://schemas.microsoft.com/office/infopath/2007/PartnerControls">
-  <documentManagement>
-    <_activity xmlns="b30265f8-c5e2-4918-b4a1-b977299ca3e2" xsi:nil="true"/>
-  </documentManagement>
-</p:properties>
+<?mso-contentType ?>
+<FormTemplates xmlns="http://schemas.microsoft.com/sharepoint/v3/contenttype/forms">
+  <Display>DocumentLibraryForm</Display>
+  <Edit>DocumentLibraryForm</Edit>
+  <New>DocumentLibraryForm</New>
+</FormTemplates>
 </file>
 
 <file path=customXml/itemProps1.xml><?xml version="1.0" encoding="utf-8"?>
-<ds:datastoreItem xmlns:ds="http://schemas.openxmlformats.org/officeDocument/2006/customXml" ds:itemID="{927BD4C1-B6B1-4715-ABF9-E660A51A4EA0}">
+<ds:datastoreItem xmlns:ds="http://schemas.openxmlformats.org/officeDocument/2006/customXml" ds:itemID="{8D289AE2-D2AE-49D1-AFAC-3A79F6794255}">
   <ds:schemaRefs>
-    <ds:schemaRef ds:uri="http://schemas.microsoft.com/sharepoint/v3/contenttype/forms"/>
+    <ds:schemaRef ds:uri="http://schemas.openxmlformats.org/package/2006/metadata/core-properties"/>
+    <ds:schemaRef ds:uri="http://schemas.microsoft.com/office/2006/documentManagement/types"/>
+    <ds:schemaRef ds:uri="http://purl.org/dc/dcmitype/"/>
+    <ds:schemaRef ds:uri="http://schemas.microsoft.com/office/infopath/2007/PartnerControls"/>
+    <ds:schemaRef ds:uri="http://purl.org/dc/elements/1.1/"/>
+    <ds:schemaRef ds:uri="http://schemas.microsoft.com/office/2006/metadata/properties"/>
+    <ds:schemaRef ds:uri="fadb41d3-f9cb-40fb-903c-8cacaba95bb5"/>
+    <ds:schemaRef ds:uri="http://purl.org/dc/terms/"/>
+    <ds:schemaRef ds:uri="b30265f8-c5e2-4918-b4a1-b977299ca3e2"/>
+    <ds:schemaRef ds:uri="http://www.w3.org/XML/1998/namespace"/>
   </ds:schemaRefs>
 </ds:datastoreItem>
 </file>
@@ -6396,18 +7722,9 @@
 </file>
 
 <file path=customXml/itemProps3.xml><?xml version="1.0" encoding="utf-8"?>
-<ds:datastoreItem xmlns:ds="http://schemas.openxmlformats.org/officeDocument/2006/customXml" ds:itemID="{8D289AE2-D2AE-49D1-AFAC-3A79F6794255}">
+<ds:datastoreItem xmlns:ds="http://schemas.openxmlformats.org/officeDocument/2006/customXml" ds:itemID="{927BD4C1-B6B1-4715-ABF9-E660A51A4EA0}">
   <ds:schemaRefs>
-    <ds:schemaRef ds:uri="http://schemas.openxmlformats.org/package/2006/metadata/core-properties"/>
-    <ds:schemaRef ds:uri="http://schemas.microsoft.com/office/2006/documentManagement/types"/>
-    <ds:schemaRef ds:uri="http://purl.org/dc/dcmitype/"/>
-    <ds:schemaRef ds:uri="http://schemas.microsoft.com/office/infopath/2007/PartnerControls"/>
-    <ds:schemaRef ds:uri="http://purl.org/dc/elements/1.1/"/>
-    <ds:schemaRef ds:uri="http://schemas.microsoft.com/office/2006/metadata/properties"/>
-    <ds:schemaRef ds:uri="fadb41d3-f9cb-40fb-903c-8cacaba95bb5"/>
-    <ds:schemaRef ds:uri="http://purl.org/dc/terms/"/>
-    <ds:schemaRef ds:uri="b30265f8-c5e2-4918-b4a1-b977299ca3e2"/>
-    <ds:schemaRef ds:uri="http://www.w3.org/XML/1998/namespace"/>
+    <ds:schemaRef ds:uri="http://schemas.microsoft.com/sharepoint/v3/contenttype/forms"/>
   </ds:schemaRefs>
 </ds:datastoreItem>
 </file>
--- a/AICTE PPT Template.pptx
+++ b/AICTE PPT Template.pptx
@@ -221,7 +221,7 @@
           <a:p>
             <a:fld id="{46256A78-79A6-408F-8148-4F87BB81602D}" type="datetimeFigureOut">
               <a:rPr lang="en-IN" smtClean="0"/>
-              <a:t>16-02-2025</a:t>
+              <a:t>20-02-2025</a:t>
             </a:fld>
             <a:endParaRPr lang="en-IN"/>
           </a:p>
@@ -725,7 +725,7 @@
           <a:p>
             <a:fld id="{ED291B17-9318-49DB-B28B-6E5994AE9581}" type="datetime1">
               <a:rPr lang="en-US" smtClean="0"/>
-              <a:t>16-Feb-25</a:t>
+              <a:t>20-Feb-25</a:t>
             </a:fld>
             <a:endParaRPr lang="en-US"/>
           </a:p>
@@ -934,7 +934,7 @@
           <a:p>
             <a:fld id="{2CED4963-E985-44C4-B8C4-FDD613B7C2F8}" type="datetime1">
               <a:rPr lang="en-US" smtClean="0"/>
-              <a:t>16-Feb-25</a:t>
+              <a:t>20-Feb-25</a:t>
             </a:fld>
             <a:endParaRPr lang="en-US"/>
           </a:p>
@@ -1302,7 +1302,7 @@
           <a:p>
             <a:fld id="{ED291B17-9318-49DB-B28B-6E5994AE9581}" type="datetime1">
               <a:rPr lang="en-US" smtClean="0"/>
-              <a:t>16-Feb-25</a:t>
+              <a:t>20-Feb-25</a:t>
             </a:fld>
             <a:endParaRPr lang="en-US"/>
           </a:p>
@@ -1506,7 +1506,7 @@
           <a:p>
             <a:fld id="{78DD82B9-B8EE-4375-B6FF-88FA6ABB15D9}" type="datetime1">
               <a:rPr lang="en-US" smtClean="0"/>
-              <a:t>16-Feb-25</a:t>
+              <a:t>20-Feb-25</a:t>
             </a:fld>
             <a:endParaRPr lang="en-US"/>
           </a:p>
@@ -1763,7 +1763,7 @@
           <a:p>
             <a:fld id="{B2497495-0637-405E-AE64-5CC7506D51F5}" type="datetime1">
               <a:rPr lang="en-US" smtClean="0"/>
-              <a:t>16-Feb-25</a:t>
+              <a:t>20-Feb-25</a:t>
             </a:fld>
             <a:endParaRPr lang="en-US"/>
           </a:p>
@@ -2021,7 +2021,7 @@
           <a:p>
             <a:fld id="{7BFFD690-9426-415D-8B65-26881E07B2D4}" type="datetime1">
               <a:rPr lang="en-US" smtClean="0"/>
-              <a:t>16-Feb-25</a:t>
+              <a:t>20-Feb-25</a:t>
             </a:fld>
             <a:endParaRPr lang="en-US"/>
           </a:p>
@@ -2448,7 +2448,7 @@
           <a:p>
             <a:fld id="{04C4989A-474C-40DE-95B9-011C28B71673}" type="datetime1">
               <a:rPr lang="en-US" smtClean="0"/>
-              <a:t>16-Feb-25</a:t>
+              <a:t>20-Feb-25</a:t>
             </a:fld>
             <a:endParaRPr lang="en-US"/>
           </a:p>
@@ -2578,7 +2578,7 @@
           <a:p>
             <a:fld id="{5DB4ED54-5B5E-4A04-93D3-5772E3CE3818}" type="datetime1">
               <a:rPr lang="en-US" smtClean="0"/>
-              <a:t>16-Feb-25</a:t>
+              <a:t>20-Feb-25</a:t>
             </a:fld>
             <a:endParaRPr lang="en-US"/>
           </a:p>
@@ -2681,7 +2681,7 @@
           <a:p>
             <a:fld id="{4EDE50D6-574B-40AF-946F-D52A04ADE379}" type="datetime1">
               <a:rPr lang="en-US" smtClean="0"/>
-              <a:t>16-Feb-25</a:t>
+              <a:t>20-Feb-25</a:t>
             </a:fld>
             <a:endParaRPr lang="en-US"/>
           </a:p>
@@ -3064,7 +3064,7 @@
           <a:p>
             <a:fld id="{D82884F1-FFEA-405F-9602-3DCA865EDA4E}" type="datetime1">
               <a:rPr lang="en-US" smtClean="0"/>
-              <a:t>16-Feb-25</a:t>
+              <a:t>20-Feb-25</a:t>
             </a:fld>
             <a:endParaRPr lang="en-US"/>
           </a:p>
@@ -3358,7 +3358,7 @@
           <a:p>
             <a:fld id="{7E18DB4A-8810-4A10-AD5C-D5E2C667F5B3}" type="datetime1">
               <a:rPr lang="en-US" smtClean="0"/>
-              <a:t>16-Feb-25</a:t>
+              <a:t>20-Feb-25</a:t>
             </a:fld>
             <a:endParaRPr lang="en-US"/>
           </a:p>
@@ -3579,7 +3579,7 @@
           <a:p>
             <a:fld id="{ED291B17-9318-49DB-B28B-6E5994AE9581}" type="datetime1">
               <a:rPr lang="en-US" smtClean="0"/>
-              <a:t>16-Feb-25</a:t>
+              <a:t>20-Feb-25</a:t>
             </a:fld>
             <a:endParaRPr lang="en-US"/>
           </a:p>
@@ -5815,6 +5815,28 @@
                 </a:solidFill>
               </a:rPr>
               <a:t>Visual Studio Code, Notepad++</a:t>
+            </a:r>
+          </a:p>
+          <a:p>
+            <a:pPr>
+              <a:buFont typeface="Wingdings" panose="05000000000000000000" pitchFamily="2" charset="2"/>
+              <a:buChar char="v"/>
+            </a:pPr>
+            <a:r>
+              <a:rPr lang="en-IN" sz="2000" b="1" dirty="0">
+                <a:solidFill>
+                  <a:schemeClr val="tx1"/>
+                </a:solidFill>
+              </a:rPr>
+              <a:t>Operating System: </a:t>
+            </a:r>
+            <a:r>
+              <a:rPr lang="en-IN" sz="2000" dirty="0">
+                <a:solidFill>
+                  <a:schemeClr val="tx1"/>
+                </a:solidFill>
+              </a:rPr>
+              <a:t>Windows 11</a:t>
             </a:r>
           </a:p>
         </p:txBody>
@@ -7436,11 +7458,12 @@
 </file>
 
 <file path=customXml/item1.xml><?xml version="1.0" encoding="utf-8"?>
-<p:properties xmlns:p="http://schemas.microsoft.com/office/2006/metadata/properties" xmlns:xsi="http://www.w3.org/2001/XMLSchema-instance" xmlns:pc="http://schemas.microsoft.com/office/infopath/2007/PartnerControls">
-  <documentManagement>
-    <_activity xmlns="b30265f8-c5e2-4918-b4a1-b977299ca3e2" xsi:nil="true"/>
-  </documentManagement>
-</p:properties>
+<?mso-contentType ?>
+<FormTemplates xmlns="http://schemas.microsoft.com/sharepoint/v3/contenttype/forms">
+  <Display>DocumentLibraryForm</Display>
+  <Edit>DocumentLibraryForm</Edit>
+  <New>DocumentLibraryForm</New>
+</FormTemplates>
 </file>
 
 <file path=customXml/item2.xml><?xml version="1.0" encoding="utf-8"?>
@@ -7677,27 +7700,17 @@
 </file>
 
 <file path=customXml/item3.xml><?xml version="1.0" encoding="utf-8"?>
-<?mso-contentType ?>
-<FormTemplates xmlns="http://schemas.microsoft.com/sharepoint/v3/contenttype/forms">
-  <Display>DocumentLibraryForm</Display>
-  <Edit>DocumentLibraryForm</Edit>
-  <New>DocumentLibraryForm</New>
-</FormTemplates>
+<p:properties xmlns:p="http://schemas.microsoft.com/office/2006/metadata/properties" xmlns:xsi="http://www.w3.org/2001/XMLSchema-instance" xmlns:pc="http://schemas.microsoft.com/office/infopath/2007/PartnerControls">
+  <documentManagement>
+    <_activity xmlns="b30265f8-c5e2-4918-b4a1-b977299ca3e2" xsi:nil="true"/>
+  </documentManagement>
+</p:properties>
 </file>
 
 <file path=customXml/itemProps1.xml><?xml version="1.0" encoding="utf-8"?>
-<ds:datastoreItem xmlns:ds="http://schemas.openxmlformats.org/officeDocument/2006/customXml" ds:itemID="{8D289AE2-D2AE-49D1-AFAC-3A79F6794255}">
+<ds:datastoreItem xmlns:ds="http://schemas.openxmlformats.org/officeDocument/2006/customXml" ds:itemID="{927BD4C1-B6B1-4715-ABF9-E660A51A4EA0}">
   <ds:schemaRefs>
-    <ds:schemaRef ds:uri="http://schemas.openxmlformats.org/package/2006/metadata/core-properties"/>
-    <ds:schemaRef ds:uri="http://schemas.microsoft.com/office/2006/documentManagement/types"/>
-    <ds:schemaRef ds:uri="http://purl.org/dc/dcmitype/"/>
-    <ds:schemaRef ds:uri="http://schemas.microsoft.com/office/infopath/2007/PartnerControls"/>
-    <ds:schemaRef ds:uri="http://purl.org/dc/elements/1.1/"/>
-    <ds:schemaRef ds:uri="http://schemas.microsoft.com/office/2006/metadata/properties"/>
-    <ds:schemaRef ds:uri="fadb41d3-f9cb-40fb-903c-8cacaba95bb5"/>
-    <ds:schemaRef ds:uri="http://purl.org/dc/terms/"/>
-    <ds:schemaRef ds:uri="b30265f8-c5e2-4918-b4a1-b977299ca3e2"/>
-    <ds:schemaRef ds:uri="http://www.w3.org/XML/1998/namespace"/>
+    <ds:schemaRef ds:uri="http://schemas.microsoft.com/sharepoint/v3/contenttype/forms"/>
   </ds:schemaRefs>
 </ds:datastoreItem>
 </file>
@@ -7722,9 +7735,18 @@
 </file>
 
 <file path=customXml/itemProps3.xml><?xml version="1.0" encoding="utf-8"?>
-<ds:datastoreItem xmlns:ds="http://schemas.openxmlformats.org/officeDocument/2006/customXml" ds:itemID="{927BD4C1-B6B1-4715-ABF9-E660A51A4EA0}">
+<ds:datastoreItem xmlns:ds="http://schemas.openxmlformats.org/officeDocument/2006/customXml" ds:itemID="{8D289AE2-D2AE-49D1-AFAC-3A79F6794255}">
   <ds:schemaRefs>
-    <ds:schemaRef ds:uri="http://schemas.microsoft.com/sharepoint/v3/contenttype/forms"/>
+    <ds:schemaRef ds:uri="http://schemas.openxmlformats.org/package/2006/metadata/core-properties"/>
+    <ds:schemaRef ds:uri="http://schemas.microsoft.com/office/2006/documentManagement/types"/>
+    <ds:schemaRef ds:uri="http://purl.org/dc/dcmitype/"/>
+    <ds:schemaRef ds:uri="http://schemas.microsoft.com/office/infopath/2007/PartnerControls"/>
+    <ds:schemaRef ds:uri="http://purl.org/dc/elements/1.1/"/>
+    <ds:schemaRef ds:uri="http://schemas.microsoft.com/office/2006/metadata/properties"/>
+    <ds:schemaRef ds:uri="fadb41d3-f9cb-40fb-903c-8cacaba95bb5"/>
+    <ds:schemaRef ds:uri="http://purl.org/dc/terms/"/>
+    <ds:schemaRef ds:uri="b30265f8-c5e2-4918-b4a1-b977299ca3e2"/>
+    <ds:schemaRef ds:uri="http://www.w3.org/XML/1998/namespace"/>
   </ds:schemaRefs>
 </ds:datastoreItem>
 </file>
--- a/AICTE PPT Template.pptx
+++ b/AICTE PPT Template.pptx
@@ -4786,9 +4786,12 @@
           <a:lstStyle/>
           <a:p>
             <a:r>
-              <a:rPr lang="en-IN" sz="2000" dirty="0"/>
+              <a:rPr lang="en-IN" sz="2000" dirty="0">
+                <a:hlinkClick r:id="rId2"/>
+              </a:rPr>
               <a:t>https://github.com/AniketDohale/Steganography.git</a:t>
             </a:r>
+            <a:endParaRPr lang="en-IN" sz="2000" dirty="0"/>
           </a:p>
         </p:txBody>
       </p:sp>
@@ -7458,12 +7461,11 @@
 </file>
 
 <file path=customXml/item1.xml><?xml version="1.0" encoding="utf-8"?>
-<?mso-contentType ?>
-<FormTemplates xmlns="http://schemas.microsoft.com/sharepoint/v3/contenttype/forms">
-  <Display>DocumentLibraryForm</Display>
-  <Edit>DocumentLibraryForm</Edit>
-  <New>DocumentLibraryForm</New>
-</FormTemplates>
+<p:properties xmlns:p="http://schemas.microsoft.com/office/2006/metadata/properties" xmlns:xsi="http://www.w3.org/2001/XMLSchema-instance" xmlns:pc="http://schemas.microsoft.com/office/infopath/2007/PartnerControls">
+  <documentManagement>
+    <_activity xmlns="b30265f8-c5e2-4918-b4a1-b977299ca3e2" xsi:nil="true"/>
+  </documentManagement>
+</p:properties>
 </file>
 
 <file path=customXml/item2.xml><?xml version="1.0" encoding="utf-8"?>
@@ -7700,17 +7702,27 @@
 </file>
 
 <file path=customXml/item3.xml><?xml version="1.0" encoding="utf-8"?>
-<p:properties xmlns:p="http://schemas.microsoft.com/office/2006/metadata/properties" xmlns:xsi="http://www.w3.org/2001/XMLSchema-instance" xmlns:pc="http://schemas.microsoft.com/office/infopath/2007/PartnerControls">
-  <documentManagement>
-    <_activity xmlns="b30265f8-c5e2-4918-b4a1-b977299ca3e2" xsi:nil="true"/>
-  </documentManagement>
-</p:properties>
+<?mso-contentType ?>
+<FormTemplates xmlns="http://schemas.microsoft.com/sharepoint/v3/contenttype/forms">
+  <Display>DocumentLibraryForm</Display>
+  <Edit>DocumentLibraryForm</Edit>
+  <New>DocumentLibraryForm</New>
+</FormTemplates>
 </file>
 
 <file path=customXml/itemProps1.xml><?xml version="1.0" encoding="utf-8"?>
-<ds:datastoreItem xmlns:ds="http://schemas.openxmlformats.org/officeDocument/2006/customXml" ds:itemID="{927BD4C1-B6B1-4715-ABF9-E660A51A4EA0}">
+<ds:datastoreItem xmlns:ds="http://schemas.openxmlformats.org/officeDocument/2006/customXml" ds:itemID="{8D289AE2-D2AE-49D1-AFAC-3A79F6794255}">
   <ds:schemaRefs>
-    <ds:schemaRef ds:uri="http://schemas.microsoft.com/sharepoint/v3/contenttype/forms"/>
+    <ds:schemaRef ds:uri="http://schemas.openxmlformats.org/package/2006/metadata/core-properties"/>
+    <ds:schemaRef ds:uri="http://schemas.microsoft.com/office/2006/documentManagement/types"/>
+    <ds:schemaRef ds:uri="http://purl.org/dc/dcmitype/"/>
+    <ds:schemaRef ds:uri="http://schemas.microsoft.com/office/infopath/2007/PartnerControls"/>
+    <ds:schemaRef ds:uri="http://purl.org/dc/elements/1.1/"/>
+    <ds:schemaRef ds:uri="http://schemas.microsoft.com/office/2006/metadata/properties"/>
+    <ds:schemaRef ds:uri="fadb41d3-f9cb-40fb-903c-8cacaba95bb5"/>
+    <ds:schemaRef ds:uri="http://purl.org/dc/terms/"/>
+    <ds:schemaRef ds:uri="b30265f8-c5e2-4918-b4a1-b977299ca3e2"/>
+    <ds:schemaRef ds:uri="http://www.w3.org/XML/1998/namespace"/>
   </ds:schemaRefs>
 </ds:datastoreItem>
 </file>
@@ -7735,18 +7747,9 @@
 </file>
 
 <file path=customXml/itemProps3.xml><?xml version="1.0" encoding="utf-8"?>
-<ds:datastoreItem xmlns:ds="http://schemas.openxmlformats.org/officeDocument/2006/customXml" ds:itemID="{8D289AE2-D2AE-49D1-AFAC-3A79F6794255}">
+<ds:datastoreItem xmlns:ds="http://schemas.openxmlformats.org/officeDocument/2006/customXml" ds:itemID="{927BD4C1-B6B1-4715-ABF9-E660A51A4EA0}">
   <ds:schemaRefs>
-    <ds:schemaRef ds:uri="http://schemas.openxmlformats.org/package/2006/metadata/core-properties"/>
-    <ds:schemaRef ds:uri="http://schemas.microsoft.com/office/2006/documentManagement/types"/>
-    <ds:schemaRef ds:uri="http://purl.org/dc/dcmitype/"/>
-    <ds:schemaRef ds:uri="http://schemas.microsoft.com/office/infopath/2007/PartnerControls"/>
-    <ds:schemaRef ds:uri="http://purl.org/dc/elements/1.1/"/>
-    <ds:schemaRef ds:uri="http://schemas.microsoft.com/office/2006/metadata/properties"/>
-    <ds:schemaRef ds:uri="fadb41d3-f9cb-40fb-903c-8cacaba95bb5"/>
-    <ds:schemaRef ds:uri="http://purl.org/dc/terms/"/>
-    <ds:schemaRef ds:uri="b30265f8-c5e2-4918-b4a1-b977299ca3e2"/>
-    <ds:schemaRef ds:uri="http://www.w3.org/XML/1998/namespace"/>
+    <ds:schemaRef ds:uri="http://schemas.microsoft.com/sharepoint/v3/contenttype/forms"/>
   </ds:schemaRefs>
 </ds:datastoreItem>
 </file>